--- a/Pres_G20_T1_IT3.pptx
+++ b/Pres_G20_T1_IT3.pptx
@@ -5,7 +5,7 @@
     <p:sldMasterId id="2147483848" r:id="rId4"/>
   </p:sldMasterIdLst>
   <p:notesMasterIdLst>
-    <p:notesMasterId r:id="rId11"/>
+    <p:notesMasterId r:id="rId16"/>
   </p:notesMasterIdLst>
   <p:sldIdLst>
     <p:sldId id="256" r:id="rId5"/>
@@ -13,7 +13,12 @@
     <p:sldId id="259" r:id="rId7"/>
     <p:sldId id="260" r:id="rId8"/>
     <p:sldId id="261" r:id="rId9"/>
-    <p:sldId id="262" r:id="rId10"/>
+    <p:sldId id="264" r:id="rId10"/>
+    <p:sldId id="265" r:id="rId11"/>
+    <p:sldId id="266" r:id="rId12"/>
+    <p:sldId id="267" r:id="rId13"/>
+    <p:sldId id="268" r:id="rId14"/>
+    <p:sldId id="262" r:id="rId15"/>
   </p:sldIdLst>
   <p:sldSz cx="12192000" cy="6858000"/>
   <p:notesSz cx="6858000" cy="9144000"/>
@@ -217,7 +222,7 @@
           <a:p>
             <a:fld id="{F00E9F25-25A0-3645-A732-7734B93B7D1A}" type="datetimeFigureOut">
               <a:rPr lang="it-IT" smtClean="0"/>
-              <a:t>07/05/2023</a:t>
+              <a:t>03/06/2023</a:t>
             </a:fld>
             <a:endParaRPr lang="it-IT"/>
           </a:p>
@@ -631,7 +636,7 @@
           <a:p>
             <a:fld id="{D6426C08-EC1E-6340-AF64-44582E9F17F5}" type="datetimeFigureOut">
               <a:rPr lang="it-IT" smtClean="0"/>
-              <a:t>07/05/2023</a:t>
+              <a:t>03/06/2023</a:t>
             </a:fld>
             <a:endParaRPr lang="it-IT"/>
           </a:p>
@@ -829,7 +834,7 @@
           <a:p>
             <a:fld id="{D6426C08-EC1E-6340-AF64-44582E9F17F5}" type="datetimeFigureOut">
               <a:rPr lang="it-IT" smtClean="0"/>
-              <a:t>07/05/2023</a:t>
+              <a:t>03/06/2023</a:t>
             </a:fld>
             <a:endParaRPr lang="it-IT"/>
           </a:p>
@@ -1037,7 +1042,7 @@
           <a:p>
             <a:fld id="{D6426C08-EC1E-6340-AF64-44582E9F17F5}" type="datetimeFigureOut">
               <a:rPr lang="it-IT" smtClean="0"/>
-              <a:t>07/05/2023</a:t>
+              <a:t>03/06/2023</a:t>
             </a:fld>
             <a:endParaRPr lang="it-IT"/>
           </a:p>
@@ -1235,7 +1240,7 @@
           <a:p>
             <a:fld id="{D6426C08-EC1E-6340-AF64-44582E9F17F5}" type="datetimeFigureOut">
               <a:rPr lang="it-IT" smtClean="0"/>
-              <a:t>07/05/2023</a:t>
+              <a:t>03/06/2023</a:t>
             </a:fld>
             <a:endParaRPr lang="it-IT"/>
           </a:p>
@@ -1510,7 +1515,7 @@
           <a:p>
             <a:fld id="{D6426C08-EC1E-6340-AF64-44582E9F17F5}" type="datetimeFigureOut">
               <a:rPr lang="it-IT" smtClean="0"/>
-              <a:t>07/05/2023</a:t>
+              <a:t>03/06/2023</a:t>
             </a:fld>
             <a:endParaRPr lang="it-IT"/>
           </a:p>
@@ -1775,7 +1780,7 @@
           <a:p>
             <a:fld id="{D6426C08-EC1E-6340-AF64-44582E9F17F5}" type="datetimeFigureOut">
               <a:rPr lang="it-IT" smtClean="0"/>
-              <a:t>07/05/2023</a:t>
+              <a:t>03/06/2023</a:t>
             </a:fld>
             <a:endParaRPr lang="it-IT"/>
           </a:p>
@@ -2187,7 +2192,7 @@
           <a:p>
             <a:fld id="{D6426C08-EC1E-6340-AF64-44582E9F17F5}" type="datetimeFigureOut">
               <a:rPr lang="it-IT" smtClean="0"/>
-              <a:t>07/05/2023</a:t>
+              <a:t>03/06/2023</a:t>
             </a:fld>
             <a:endParaRPr lang="it-IT"/>
           </a:p>
@@ -2328,7 +2333,7 @@
           <a:p>
             <a:fld id="{D6426C08-EC1E-6340-AF64-44582E9F17F5}" type="datetimeFigureOut">
               <a:rPr lang="it-IT" smtClean="0"/>
-              <a:t>07/05/2023</a:t>
+              <a:t>03/06/2023</a:t>
             </a:fld>
             <a:endParaRPr lang="it-IT"/>
           </a:p>
@@ -2441,7 +2446,7 @@
           <a:p>
             <a:fld id="{D6426C08-EC1E-6340-AF64-44582E9F17F5}" type="datetimeFigureOut">
               <a:rPr lang="it-IT" smtClean="0"/>
-              <a:t>07/05/2023</a:t>
+              <a:t>03/06/2023</a:t>
             </a:fld>
             <a:endParaRPr lang="it-IT"/>
           </a:p>
@@ -2752,7 +2757,7 @@
           <a:p>
             <a:fld id="{D6426C08-EC1E-6340-AF64-44582E9F17F5}" type="datetimeFigureOut">
               <a:rPr lang="it-IT" smtClean="0"/>
-              <a:t>07/05/2023</a:t>
+              <a:t>03/06/2023</a:t>
             </a:fld>
             <a:endParaRPr lang="it-IT"/>
           </a:p>
@@ -3040,7 +3045,7 @@
           <a:p>
             <a:fld id="{D6426C08-EC1E-6340-AF64-44582E9F17F5}" type="datetimeFigureOut">
               <a:rPr lang="it-IT" smtClean="0"/>
-              <a:t>07/05/2023</a:t>
+              <a:t>03/06/2023</a:t>
             </a:fld>
             <a:endParaRPr lang="it-IT"/>
           </a:p>
@@ -3281,7 +3286,7 @@
           <a:p>
             <a:fld id="{D6426C08-EC1E-6340-AF64-44582E9F17F5}" type="datetimeFigureOut">
               <a:rPr lang="it-IT" smtClean="0"/>
-              <a:t>07/05/2023</a:t>
+              <a:t>03/06/2023</a:t>
             </a:fld>
             <a:endParaRPr lang="it-IT"/>
           </a:p>
@@ -10856,7 +10861,7 @@
                   <a:schemeClr val="tx2"/>
                 </a:solidFill>
               </a:rPr>
-              <a:t> Review n. 2</a:t>
+              <a:t> Review n. 3</a:t>
             </a:r>
             <a:br>
               <a:rPr lang="it-IT" sz="4000" dirty="0">
@@ -10878,7 +10883,7 @@
                   <a:schemeClr val="tx2"/>
                 </a:solidFill>
               </a:rPr>
-              <a:t>9 Maggio 2023</a:t>
+              <a:t>6 Giugno 2023</a:t>
             </a:r>
             <a:endParaRPr lang="it-IT" sz="4000" dirty="0">
               <a:solidFill>
@@ -11073,6 +11078,296 @@
     <p:extLst>
       <p:ext uri="{BB962C8B-B14F-4D97-AF65-F5344CB8AC3E}">
         <p14:creationId xmlns:p14="http://schemas.microsoft.com/office/powerpoint/2010/main" val="1755007412"/>
+      </p:ext>
+    </p:extLst>
+  </p:cSld>
+  <p:clrMapOvr>
+    <a:masterClrMapping/>
+  </p:clrMapOvr>
+</p:sld>
+</file>
+
+<file path=ppt/slides/slide10.xml><?xml version="1.0" encoding="utf-8"?>
+<p:sld xmlns:a="http://schemas.openxmlformats.org/drawingml/2006/main" xmlns:r="http://schemas.openxmlformats.org/officeDocument/2006/relationships" xmlns:p="http://schemas.openxmlformats.org/presentationml/2006/main">
+  <p:cSld>
+    <p:spTree>
+      <p:nvGrpSpPr>
+        <p:cNvPr id="1" name=""/>
+        <p:cNvGrpSpPr/>
+        <p:nvPr/>
+      </p:nvGrpSpPr>
+      <p:grpSpPr>
+        <a:xfrm>
+          <a:off x="0" y="0"/>
+          <a:ext cx="0" cy="0"/>
+          <a:chOff x="0" y="0"/>
+          <a:chExt cx="0" cy="0"/>
+        </a:xfrm>
+      </p:grpSpPr>
+      <p:sp>
+        <p:nvSpPr>
+          <p:cNvPr id="2" name="Titolo 1">
+            <a:extLst>
+              <a:ext uri="{FF2B5EF4-FFF2-40B4-BE49-F238E27FC236}">
+                <a16:creationId xmlns:a16="http://schemas.microsoft.com/office/drawing/2014/main" id="{13919D7C-CDD8-E0B4-867E-4AEF5AC239C7}"/>
+              </a:ext>
+            </a:extLst>
+          </p:cNvPr>
+          <p:cNvSpPr>
+            <a:spLocks noGrp="1"/>
+          </p:cNvSpPr>
+          <p:nvPr>
+            <p:ph type="title"/>
+          </p:nvPr>
+        </p:nvSpPr>
+        <p:spPr/>
+        <p:txBody>
+          <a:bodyPr/>
+          <a:lstStyle/>
+          <a:p>
+            <a:endParaRPr lang="it-IT"/>
+          </a:p>
+        </p:txBody>
+      </p:sp>
+      <p:sp>
+        <p:nvSpPr>
+          <p:cNvPr id="3" name="Segnaposto contenuto 2">
+            <a:extLst>
+              <a:ext uri="{FF2B5EF4-FFF2-40B4-BE49-F238E27FC236}">
+                <a16:creationId xmlns:a16="http://schemas.microsoft.com/office/drawing/2014/main" id="{D5772A33-6129-0B9B-2BD2-24309AA44CF1}"/>
+              </a:ext>
+            </a:extLst>
+          </p:cNvPr>
+          <p:cNvSpPr>
+            <a:spLocks noGrp="1"/>
+          </p:cNvSpPr>
+          <p:nvPr>
+            <p:ph idx="1"/>
+          </p:nvPr>
+        </p:nvSpPr>
+        <p:spPr/>
+        <p:txBody>
+          <a:bodyPr/>
+          <a:lstStyle/>
+          <a:p>
+            <a:endParaRPr lang="it-IT"/>
+          </a:p>
+        </p:txBody>
+      </p:sp>
+    </p:spTree>
+    <p:extLst>
+      <p:ext uri="{BB962C8B-B14F-4D97-AF65-F5344CB8AC3E}">
+        <p14:creationId xmlns:p14="http://schemas.microsoft.com/office/powerpoint/2010/main" val="4058569712"/>
+      </p:ext>
+    </p:extLst>
+  </p:cSld>
+  <p:clrMapOvr>
+    <a:masterClrMapping/>
+  </p:clrMapOvr>
+</p:sld>
+</file>
+
+<file path=ppt/slides/slide11.xml><?xml version="1.0" encoding="utf-8"?>
+<p:sld xmlns:a="http://schemas.openxmlformats.org/drawingml/2006/main" xmlns:r="http://schemas.openxmlformats.org/officeDocument/2006/relationships" xmlns:p="http://schemas.openxmlformats.org/presentationml/2006/main">
+  <p:cSld>
+    <p:spTree>
+      <p:nvGrpSpPr>
+        <p:cNvPr id="1" name=""/>
+        <p:cNvGrpSpPr/>
+        <p:nvPr/>
+      </p:nvGrpSpPr>
+      <p:grpSpPr>
+        <a:xfrm>
+          <a:off x="0" y="0"/>
+          <a:ext cx="0" cy="0"/>
+          <a:chOff x="0" y="0"/>
+          <a:chExt cx="0" cy="0"/>
+        </a:xfrm>
+      </p:grpSpPr>
+      <p:sp>
+        <p:nvSpPr>
+          <p:cNvPr id="2" name="Titolo 1">
+            <a:extLst>
+              <a:ext uri="{FF2B5EF4-FFF2-40B4-BE49-F238E27FC236}">
+                <a16:creationId xmlns:a16="http://schemas.microsoft.com/office/drawing/2014/main" id="{ADBC4034-D851-D9EA-66A7-6BB38E22B116}"/>
+              </a:ext>
+            </a:extLst>
+          </p:cNvPr>
+          <p:cNvSpPr>
+            <a:spLocks noGrp="1"/>
+          </p:cNvSpPr>
+          <p:nvPr>
+            <p:ph type="title"/>
+          </p:nvPr>
+        </p:nvSpPr>
+        <p:spPr/>
+        <p:txBody>
+          <a:bodyPr/>
+          <a:lstStyle/>
+          <a:p>
+            <a:r>
+              <a:rPr lang="it-IT"/>
+              <a:t>Risultati ottenuti e sviluppi futuri </a:t>
+            </a:r>
+          </a:p>
+        </p:txBody>
+      </p:sp>
+      <p:sp>
+        <p:nvSpPr>
+          <p:cNvPr id="3" name="Segnaposto contenuto 2">
+            <a:extLst>
+              <a:ext uri="{FF2B5EF4-FFF2-40B4-BE49-F238E27FC236}">
+                <a16:creationId xmlns:a16="http://schemas.microsoft.com/office/drawing/2014/main" id="{E3806B31-2DAE-3F27-B4E9-8837D34A33D2}"/>
+              </a:ext>
+            </a:extLst>
+          </p:cNvPr>
+          <p:cNvSpPr>
+            <a:spLocks noGrp="1"/>
+          </p:cNvSpPr>
+          <p:nvPr>
+            <p:ph idx="1"/>
+          </p:nvPr>
+        </p:nvSpPr>
+        <p:spPr/>
+        <p:txBody>
+          <a:bodyPr/>
+          <a:lstStyle/>
+          <a:p>
+            <a:r>
+              <a:rPr lang="it-IT" dirty="0">
+                <a:solidFill>
+                  <a:srgbClr val="FF0000"/>
+                </a:solidFill>
+              </a:rPr>
+              <a:t>Cosa abbiamo ottenuto a valle dell’iterazione ? </a:t>
+            </a:r>
+          </a:p>
+          <a:p>
+            <a:pPr lvl="1"/>
+            <a:r>
+              <a:rPr lang="it-IT" dirty="0"/>
+              <a:t>Possibilità di realizzare CRUD </a:t>
+            </a:r>
+            <a:r>
+              <a:rPr lang="it-IT" dirty="0" err="1"/>
+              <a:t>APIs</a:t>
+            </a:r>
+            <a:r>
+              <a:rPr lang="it-IT" dirty="0"/>
+              <a:t> sfruttando i metodi dell’interfaccia </a:t>
+            </a:r>
+            <a:r>
+              <a:rPr lang="it-IT" dirty="0" err="1"/>
+              <a:t>JPARepository</a:t>
+            </a:r>
+            <a:r>
+              <a:rPr lang="it-IT" dirty="0"/>
+              <a:t> senza l’utilizzo di Query native</a:t>
+            </a:r>
+          </a:p>
+          <a:p>
+            <a:endParaRPr lang="it-IT" dirty="0"/>
+          </a:p>
+          <a:p>
+            <a:r>
+              <a:rPr lang="it-IT" dirty="0">
+                <a:solidFill>
+                  <a:srgbClr val="FF0000"/>
+                </a:solidFill>
+              </a:rPr>
+              <a:t>Come intendiamo procedere nella prossima iterazione?</a:t>
+            </a:r>
+          </a:p>
+          <a:p>
+            <a:pPr lvl="1"/>
+            <a:r>
+              <a:rPr lang="it-IT" dirty="0">
+                <a:solidFill>
+                  <a:srgbClr val="FF0000"/>
+                </a:solidFill>
+              </a:rPr>
+              <a:t>CRUD </a:t>
+            </a:r>
+            <a:r>
+              <a:rPr lang="it-IT" dirty="0" err="1">
+                <a:solidFill>
+                  <a:srgbClr val="FF0000"/>
+                </a:solidFill>
+              </a:rPr>
+              <a:t>APIs</a:t>
+            </a:r>
+            <a:r>
+              <a:rPr lang="it-IT" dirty="0">
+                <a:solidFill>
+                  <a:srgbClr val="FF0000"/>
+                </a:solidFill>
+              </a:rPr>
+              <a:t> per i test</a:t>
+            </a:r>
+          </a:p>
+          <a:p>
+            <a:pPr lvl="1"/>
+            <a:r>
+              <a:rPr lang="it-IT" dirty="0">
+                <a:solidFill>
+                  <a:srgbClr val="FF0000"/>
+                </a:solidFill>
+              </a:rPr>
+              <a:t>Generazione e salvataggio dei test per ciascuna </a:t>
+            </a:r>
+            <a:r>
+              <a:rPr lang="it-IT" dirty="0" err="1">
+                <a:solidFill>
+                  <a:srgbClr val="FF0000"/>
+                </a:solidFill>
+              </a:rPr>
+              <a:t>ClasseUT</a:t>
+            </a:r>
+            <a:r>
+              <a:rPr lang="it-IT" dirty="0">
+                <a:solidFill>
+                  <a:srgbClr val="FF0000"/>
+                </a:solidFill>
+              </a:rPr>
+              <a:t> caricata</a:t>
+            </a:r>
+          </a:p>
+          <a:p>
+            <a:pPr lvl="1"/>
+            <a:r>
+              <a:rPr lang="it-IT" dirty="0">
+                <a:solidFill>
+                  <a:srgbClr val="FF0000"/>
+                </a:solidFill>
+              </a:rPr>
+              <a:t>Interfaccia per il login degli amministratori</a:t>
+            </a:r>
+          </a:p>
+          <a:p>
+            <a:pPr lvl="1"/>
+            <a:r>
+              <a:rPr lang="it-IT" dirty="0">
+                <a:solidFill>
+                  <a:srgbClr val="FF0000"/>
+                </a:solidFill>
+              </a:rPr>
+              <a:t>Test delle funzionalità realizzate	</a:t>
+            </a:r>
+          </a:p>
+          <a:p>
+            <a:pPr lvl="1"/>
+            <a:endParaRPr lang="it-IT" dirty="0">
+              <a:solidFill>
+                <a:srgbClr val="FF0000"/>
+              </a:solidFill>
+            </a:endParaRPr>
+          </a:p>
+        </p:txBody>
+      </p:sp>
+    </p:spTree>
+    <p:extLst>
+      <p:ext uri="{BB962C8B-B14F-4D97-AF65-F5344CB8AC3E}">
+        <p14:creationId xmlns:p14="http://schemas.microsoft.com/office/powerpoint/2010/main" val="3918183923"/>
       </p:ext>
     </p:extLst>
   </p:cSld>
@@ -12093,7 +12388,7 @@
         <p:spPr>
           <a:xfrm>
             <a:off x="1040690" y="1717331"/>
-            <a:ext cx="9308411" cy="3385542"/>
+            <a:ext cx="9308411" cy="2954655"/>
           </a:xfrm>
           <a:prstGeom prst="rect">
             <a:avLst/>
@@ -12117,7 +12412,7 @@
               <a:rPr lang="it-IT" sz="2800" dirty="0">
                 <a:cs typeface="Calibri" panose="020F0502020204030204"/>
               </a:rPr>
-              <a:t>O1: Creazione del modello di dati relazionale</a:t>
+              <a:t>O1: Creazione di una prima versione dell’interfaccia web per l’upload delle classi</a:t>
             </a:r>
           </a:p>
           <a:p>
@@ -12129,19 +12424,7 @@
               <a:rPr lang="it-IT" sz="2800" dirty="0">
                 <a:cs typeface="Calibri" panose="020F0502020204030204"/>
               </a:rPr>
-              <a:t>O2: ORM con Spring Data JPA </a:t>
-            </a:r>
-          </a:p>
-          <a:p>
-            <a:pPr marL="285750" indent="-285750">
-              <a:buFont typeface="Arial"/>
-              <a:buChar char="•"/>
-            </a:pPr>
-            <a:r>
-              <a:rPr lang="it-IT" sz="2800" dirty="0">
-                <a:cs typeface="Calibri" panose="020F0502020204030204"/>
-              </a:rPr>
-              <a:t>O3: Implementazione </a:t>
+              <a:t>O2: CRUD </a:t>
             </a:r>
             <a:r>
               <a:rPr lang="it-IT" sz="2800" dirty="0" err="1">
@@ -12153,17 +12436,8 @@
               <a:rPr lang="it-IT" sz="2800" dirty="0">
                 <a:cs typeface="Calibri" panose="020F0502020204030204"/>
               </a:rPr>
-              <a:t> CRUD per le </a:t>
+              <a:t> per l’amministratore</a:t>
             </a:r>
-            <a:r>
-              <a:rPr lang="it-IT" sz="2800" dirty="0" err="1">
-                <a:cs typeface="Calibri" panose="020F0502020204030204"/>
-              </a:rPr>
-              <a:t>ClassiUT</a:t>
-            </a:r>
-            <a:endParaRPr lang="it-IT" sz="2800" dirty="0">
-              <a:cs typeface="Calibri" panose="020F0502020204030204"/>
-            </a:endParaRPr>
           </a:p>
           <a:p>
             <a:pPr marL="285750" indent="-285750">
@@ -12174,31 +12448,7 @@
               <a:rPr lang="it-IT" sz="2800" dirty="0">
                 <a:cs typeface="Calibri" panose="020F0502020204030204"/>
               </a:rPr>
-              <a:t>O4: Implementazione demo delle </a:t>
-            </a:r>
-            <a:r>
-              <a:rPr lang="it-IT" sz="2800" dirty="0" err="1">
-                <a:cs typeface="Calibri" panose="020F0502020204030204"/>
-              </a:rPr>
-              <a:t>APIs</a:t>
-            </a:r>
-            <a:r>
-              <a:rPr lang="it-IT" sz="2800" dirty="0">
-                <a:cs typeface="Calibri" panose="020F0502020204030204"/>
-              </a:rPr>
-              <a:t> per l’upload ed il download del codice delle classi con Spring Web</a:t>
-            </a:r>
-          </a:p>
-          <a:p>
-            <a:pPr marL="285750" indent="-285750">
-              <a:buFont typeface="Arial"/>
-              <a:buChar char="•"/>
-            </a:pPr>
-            <a:r>
-              <a:rPr lang="it-IT" sz="2800" dirty="0">
-                <a:cs typeface="Calibri" panose="020F0502020204030204"/>
-              </a:rPr>
-              <a:t>O5: Realizzazione demo delle interfacce di amministratore e giocatore</a:t>
+              <a:t>O3: Definizione della tabella e degli oggetti ORM per il salvataggio dei test generati automaticamente per ogni classe UT caricata</a:t>
             </a:r>
           </a:p>
           <a:p>
@@ -12293,7 +12543,9 @@
           </a:xfrm>
         </p:spPr>
         <p:txBody>
-          <a:bodyPr/>
+          <a:bodyPr>
+            <a:normAutofit fontScale="92500" lnSpcReduction="20000"/>
+          </a:bodyPr>
           <a:lstStyle/>
           <a:p>
             <a:r>
@@ -12326,7 +12578,7 @@
           <a:p>
             <a:r>
               <a:rPr lang="it-IT" dirty="0"/>
-              <a:t>Creazione del database </a:t>
+              <a:t>Aggiornamento del database </a:t>
             </a:r>
             <a:r>
               <a:rPr lang="it-IT" i="1" dirty="0" err="1"/>
@@ -12335,6 +12587,20 @@
             <a:r>
               <a:rPr lang="it-IT" dirty="0"/>
               <a:t> per la gestione delle attività del task</a:t>
+            </a:r>
+          </a:p>
+          <a:p>
+            <a:r>
+              <a:rPr lang="it-IT" dirty="0"/>
+              <a:t>Creazione tabella Activities per monitorare l’</a:t>
+            </a:r>
+            <a:r>
+              <a:rPr lang="it-IT" dirty="0" err="1"/>
+              <a:t>effort</a:t>
+            </a:r>
+            <a:r>
+              <a:rPr lang="it-IT" dirty="0"/>
+              <a:t> dedicato ai task dell’iterazione</a:t>
             </a:r>
           </a:p>
           <a:p>
@@ -12437,13 +12703,13 @@
         </p:spPr>
         <p:txBody>
           <a:bodyPr>
-            <a:normAutofit fontScale="92500"/>
+            <a:normAutofit lnSpcReduction="10000"/>
           </a:bodyPr>
           <a:lstStyle/>
           <a:p>
             <a:r>
               <a:rPr lang="it-IT" dirty="0"/>
-              <a:t>Modello dell’architettura</a:t>
+              <a:t>Modelli dell’architettura</a:t>
             </a:r>
           </a:p>
           <a:p>
@@ -12487,12 +12753,6 @@
             <a:r>
               <a:rPr lang="it-IT" dirty="0"/>
               <a:t>Prototipo</a:t>
-            </a:r>
-          </a:p>
-          <a:p>
-            <a:r>
-              <a:rPr lang="it-IT" dirty="0"/>
-              <a:t>Codice</a:t>
             </a:r>
           </a:p>
         </p:txBody>
@@ -12513,6 +12773,14 @@
 <file path=ppt/slides/slide6.xml><?xml version="1.0" encoding="utf-8"?>
 <p:sld xmlns:a="http://schemas.openxmlformats.org/drawingml/2006/main" xmlns:r="http://schemas.openxmlformats.org/officeDocument/2006/relationships" xmlns:p="http://schemas.openxmlformats.org/presentationml/2006/main">
   <p:cSld>
+    <p:bg>
+      <p:bgPr>
+        <a:solidFill>
+          <a:schemeClr val="bg1"/>
+        </a:solidFill>
+        <a:effectLst/>
+      </p:bgPr>
+    </p:bg>
     <p:spTree>
       <p:nvGrpSpPr>
         <p:cNvPr id="1" name=""/>
@@ -12527,12 +12795,72 @@
           <a:chExt cx="0" cy="0"/>
         </a:xfrm>
       </p:grpSpPr>
+      <p:sp useBgFill="1">
+        <p:nvSpPr>
+          <p:cNvPr id="12" name="Rectangle 11">
+            <a:extLst>
+              <a:ext uri="{FF2B5EF4-FFF2-40B4-BE49-F238E27FC236}">
+                <a16:creationId xmlns:a16="http://schemas.microsoft.com/office/drawing/2014/main" id="{2B97F24A-32CE-4C1C-A50D-3016B394DCFB}"/>
+              </a:ext>
+              <a:ext uri="{C183D7F6-B498-43B3-948B-1728B52AA6E4}">
+                <adec:decorative xmlns:adec="http://schemas.microsoft.com/office/drawing/2017/decorative" val="1"/>
+              </a:ext>
+            </a:extLst>
+          </p:cNvPr>
+          <p:cNvSpPr>
+            <a:spLocks noGrp="1" noRot="1" noChangeAspect="1" noMove="1" noResize="1" noEditPoints="1" noAdjustHandles="1" noChangeArrowheads="1" noChangeShapeType="1" noTextEdit="1"/>
+          </p:cNvSpPr>
+          <p:nvPr>
+            <p:extLst>
+              <p:ext uri="{386F3935-93C4-4BCD-93E2-E3B085C9AB24}">
+                <p16:designElem xmlns:p16="http://schemas.microsoft.com/office/powerpoint/2015/main" val="1"/>
+              </p:ext>
+            </p:extLst>
+          </p:nvPr>
+        </p:nvSpPr>
+        <p:spPr>
+          <a:xfrm>
+            <a:off x="0" y="0"/>
+            <a:ext cx="12192000" cy="6858000"/>
+          </a:xfrm>
+          <a:prstGeom prst="rect">
+            <a:avLst/>
+          </a:prstGeom>
+          <a:ln>
+            <a:noFill/>
+          </a:ln>
+        </p:spPr>
+        <p:style>
+          <a:lnRef idx="2">
+            <a:schemeClr val="accent1">
+              <a:shade val="50000"/>
+            </a:schemeClr>
+          </a:lnRef>
+          <a:fillRef idx="1">
+            <a:schemeClr val="accent1"/>
+          </a:fillRef>
+          <a:effectRef idx="0">
+            <a:schemeClr val="accent1"/>
+          </a:effectRef>
+          <a:fontRef idx="minor">
+            <a:schemeClr val="lt1"/>
+          </a:fontRef>
+        </p:style>
+        <p:txBody>
+          <a:bodyPr rtlCol="0" anchor="ctr"/>
+          <a:lstStyle/>
+          <a:p>
+            <a:pPr algn="ctr"/>
+            <a:endParaRPr lang="en-US"/>
+          </a:p>
+        </p:txBody>
+      </p:sp>
       <p:sp>
         <p:nvSpPr>
           <p:cNvPr id="2" name="Titolo 1">
             <a:extLst>
               <a:ext uri="{FF2B5EF4-FFF2-40B4-BE49-F238E27FC236}">
-                <a16:creationId xmlns:a16="http://schemas.microsoft.com/office/drawing/2014/main" id="{ADBC4034-D851-D9EA-66A7-6BB38E22B116}"/>
+                <a16:creationId xmlns:a16="http://schemas.microsoft.com/office/drawing/2014/main" id="{DAEE9919-C105-3DE0-B6B7-AAD1180B1B23}"/>
               </a:ext>
             </a:extLst>
           </p:cNvPr>
@@ -12543,24 +12871,432 @@
             <p:ph type="title"/>
           </p:nvPr>
         </p:nvSpPr>
-        <p:spPr/>
+        <p:spPr>
+          <a:xfrm>
+            <a:off x="630936" y="639520"/>
+            <a:ext cx="3429000" cy="1719072"/>
+          </a:xfrm>
+        </p:spPr>
         <p:txBody>
-          <a:bodyPr/>
+          <a:bodyPr anchor="b">
+            <a:normAutofit/>
+          </a:bodyPr>
           <a:lstStyle/>
           <a:p>
             <a:r>
-              <a:rPr lang="it-IT"/>
-              <a:t>Risultati ottenuti e sviluppi futuri </a:t>
+              <a:rPr lang="it-IT" sz="4600"/>
+              <a:t>COMPONENT DIAGRAM</a:t>
             </a:r>
           </a:p>
         </p:txBody>
       </p:sp>
       <p:sp>
         <p:nvSpPr>
-          <p:cNvPr id="3" name="Segnaposto contenuto 2">
+          <p:cNvPr id="14" name="sketch line">
             <a:extLst>
               <a:ext uri="{FF2B5EF4-FFF2-40B4-BE49-F238E27FC236}">
-                <a16:creationId xmlns:a16="http://schemas.microsoft.com/office/drawing/2014/main" id="{E3806B31-2DAE-3F27-B4E9-8837D34A33D2}"/>
+                <a16:creationId xmlns:a16="http://schemas.microsoft.com/office/drawing/2014/main" id="{CD8B4F24-440B-49E9-B85D-733523DC064B}"/>
+              </a:ext>
+              <a:ext uri="{C183D7F6-B498-43B3-948B-1728B52AA6E4}">
+                <adec:decorative xmlns:adec="http://schemas.microsoft.com/office/drawing/2017/decorative" val="1"/>
+              </a:ext>
+            </a:extLst>
+          </p:cNvPr>
+          <p:cNvSpPr>
+            <a:spLocks noGrp="1" noRot="1" noChangeAspect="1" noMove="1" noResize="1" noEditPoints="1" noAdjustHandles="1" noChangeArrowheads="1" noChangeShapeType="1" noTextEdit="1"/>
+          </p:cNvSpPr>
+          <p:nvPr>
+            <p:extLst>
+              <p:ext uri="{386F3935-93C4-4BCD-93E2-E3B085C9AB24}">
+                <p16:designElem xmlns:p16="http://schemas.microsoft.com/office/powerpoint/2015/main" val="1"/>
+              </p:ext>
+            </p:extLst>
+          </p:nvPr>
+        </p:nvSpPr>
+        <p:spPr>
+          <a:xfrm>
+            <a:off x="643278" y="2573756"/>
+            <a:ext cx="3255095" cy="18288"/>
+          </a:xfrm>
+          <a:custGeom>
+            <a:avLst/>
+            <a:gdLst>
+              <a:gd name="connsiteX0" fmla="*/ 0 w 3255095"/>
+              <a:gd name="connsiteY0" fmla="*/ 0 h 18288"/>
+              <a:gd name="connsiteX1" fmla="*/ 618468 w 3255095"/>
+              <a:gd name="connsiteY1" fmla="*/ 0 h 18288"/>
+              <a:gd name="connsiteX2" fmla="*/ 1269487 w 3255095"/>
+              <a:gd name="connsiteY2" fmla="*/ 0 h 18288"/>
+              <a:gd name="connsiteX3" fmla="*/ 1953057 w 3255095"/>
+              <a:gd name="connsiteY3" fmla="*/ 0 h 18288"/>
+              <a:gd name="connsiteX4" fmla="*/ 2636627 w 3255095"/>
+              <a:gd name="connsiteY4" fmla="*/ 0 h 18288"/>
+              <a:gd name="connsiteX5" fmla="*/ 3255095 w 3255095"/>
+              <a:gd name="connsiteY5" fmla="*/ 0 h 18288"/>
+              <a:gd name="connsiteX6" fmla="*/ 3255095 w 3255095"/>
+              <a:gd name="connsiteY6" fmla="*/ 18288 h 18288"/>
+              <a:gd name="connsiteX7" fmla="*/ 2538974 w 3255095"/>
+              <a:gd name="connsiteY7" fmla="*/ 18288 h 18288"/>
+              <a:gd name="connsiteX8" fmla="*/ 1822853 w 3255095"/>
+              <a:gd name="connsiteY8" fmla="*/ 18288 h 18288"/>
+              <a:gd name="connsiteX9" fmla="*/ 1171834 w 3255095"/>
+              <a:gd name="connsiteY9" fmla="*/ 18288 h 18288"/>
+              <a:gd name="connsiteX10" fmla="*/ 0 w 3255095"/>
+              <a:gd name="connsiteY10" fmla="*/ 18288 h 18288"/>
+              <a:gd name="connsiteX11" fmla="*/ 0 w 3255095"/>
+              <a:gd name="connsiteY11" fmla="*/ 0 h 18288"/>
+            </a:gdLst>
+            <a:ahLst/>
+            <a:cxnLst>
+              <a:cxn ang="0">
+                <a:pos x="connsiteX0" y="connsiteY0"/>
+              </a:cxn>
+              <a:cxn ang="0">
+                <a:pos x="connsiteX1" y="connsiteY1"/>
+              </a:cxn>
+              <a:cxn ang="0">
+                <a:pos x="connsiteX2" y="connsiteY2"/>
+              </a:cxn>
+              <a:cxn ang="0">
+                <a:pos x="connsiteX3" y="connsiteY3"/>
+              </a:cxn>
+              <a:cxn ang="0">
+                <a:pos x="connsiteX4" y="connsiteY4"/>
+              </a:cxn>
+              <a:cxn ang="0">
+                <a:pos x="connsiteX5" y="connsiteY5"/>
+              </a:cxn>
+              <a:cxn ang="0">
+                <a:pos x="connsiteX6" y="connsiteY6"/>
+              </a:cxn>
+              <a:cxn ang="0">
+                <a:pos x="connsiteX7" y="connsiteY7"/>
+              </a:cxn>
+              <a:cxn ang="0">
+                <a:pos x="connsiteX8" y="connsiteY8"/>
+              </a:cxn>
+              <a:cxn ang="0">
+                <a:pos x="connsiteX9" y="connsiteY9"/>
+              </a:cxn>
+              <a:cxn ang="0">
+                <a:pos x="connsiteX10" y="connsiteY10"/>
+              </a:cxn>
+              <a:cxn ang="0">
+                <a:pos x="connsiteX11" y="connsiteY11"/>
+              </a:cxn>
+            </a:cxnLst>
+            <a:rect l="l" t="t" r="r" b="b"/>
+            <a:pathLst>
+              <a:path w="3255095" h="18288" fill="none" extrusionOk="0">
+                <a:moveTo>
+                  <a:pt x="0" y="0"/>
+                </a:moveTo>
+                <a:cubicBezTo>
+                  <a:pt x="240201" y="-22123"/>
+                  <a:pt x="462021" y="-19623"/>
+                  <a:pt x="618468" y="0"/>
+                </a:cubicBezTo>
+                <a:cubicBezTo>
+                  <a:pt x="774915" y="19623"/>
+                  <a:pt x="974734" y="2035"/>
+                  <a:pt x="1269487" y="0"/>
+                </a:cubicBezTo>
+                <a:cubicBezTo>
+                  <a:pt x="1564240" y="-2035"/>
+                  <a:pt x="1733579" y="10639"/>
+                  <a:pt x="1953057" y="0"/>
+                </a:cubicBezTo>
+                <a:cubicBezTo>
+                  <a:pt x="2172535" y="-10639"/>
+                  <a:pt x="2453962" y="14018"/>
+                  <a:pt x="2636627" y="0"/>
+                </a:cubicBezTo>
+                <a:cubicBezTo>
+                  <a:pt x="2819292" y="-14018"/>
+                  <a:pt x="3121375" y="5399"/>
+                  <a:pt x="3255095" y="0"/>
+                </a:cubicBezTo>
+                <a:cubicBezTo>
+                  <a:pt x="3254386" y="8157"/>
+                  <a:pt x="3254682" y="12125"/>
+                  <a:pt x="3255095" y="18288"/>
+                </a:cubicBezTo>
+                <a:cubicBezTo>
+                  <a:pt x="3088545" y="23203"/>
+                  <a:pt x="2687475" y="7419"/>
+                  <a:pt x="2538974" y="18288"/>
+                </a:cubicBezTo>
+                <a:cubicBezTo>
+                  <a:pt x="2390473" y="29157"/>
+                  <a:pt x="2137381" y="-8959"/>
+                  <a:pt x="1822853" y="18288"/>
+                </a:cubicBezTo>
+                <a:cubicBezTo>
+                  <a:pt x="1508325" y="45535"/>
+                  <a:pt x="1466437" y="20385"/>
+                  <a:pt x="1171834" y="18288"/>
+                </a:cubicBezTo>
+                <a:cubicBezTo>
+                  <a:pt x="877231" y="16191"/>
+                  <a:pt x="561097" y="37643"/>
+                  <a:pt x="0" y="18288"/>
+                </a:cubicBezTo>
+                <a:cubicBezTo>
+                  <a:pt x="-46" y="12483"/>
+                  <a:pt x="-203" y="6491"/>
+                  <a:pt x="0" y="0"/>
+                </a:cubicBezTo>
+                <a:close/>
+              </a:path>
+              <a:path w="3255095" h="18288" stroke="0" extrusionOk="0">
+                <a:moveTo>
+                  <a:pt x="0" y="0"/>
+                </a:moveTo>
+                <a:cubicBezTo>
+                  <a:pt x="291965" y="19429"/>
+                  <a:pt x="363155" y="8568"/>
+                  <a:pt x="618468" y="0"/>
+                </a:cubicBezTo>
+                <a:cubicBezTo>
+                  <a:pt x="873781" y="-8568"/>
+                  <a:pt x="904459" y="-19505"/>
+                  <a:pt x="1171834" y="0"/>
+                </a:cubicBezTo>
+                <a:cubicBezTo>
+                  <a:pt x="1439209" y="19505"/>
+                  <a:pt x="1744369" y="9790"/>
+                  <a:pt x="1887955" y="0"/>
+                </a:cubicBezTo>
+                <a:cubicBezTo>
+                  <a:pt x="2031541" y="-9790"/>
+                  <a:pt x="2346378" y="21240"/>
+                  <a:pt x="2506423" y="0"/>
+                </a:cubicBezTo>
+                <a:cubicBezTo>
+                  <a:pt x="2666468" y="-21240"/>
+                  <a:pt x="2990257" y="30414"/>
+                  <a:pt x="3255095" y="0"/>
+                </a:cubicBezTo>
+                <a:cubicBezTo>
+                  <a:pt x="3254831" y="4493"/>
+                  <a:pt x="3255479" y="9472"/>
+                  <a:pt x="3255095" y="18288"/>
+                </a:cubicBezTo>
+                <a:cubicBezTo>
+                  <a:pt x="3120743" y="16690"/>
+                  <a:pt x="2759628" y="42462"/>
+                  <a:pt x="2604076" y="18288"/>
+                </a:cubicBezTo>
+                <a:cubicBezTo>
+                  <a:pt x="2448524" y="-5886"/>
+                  <a:pt x="2184336" y="19599"/>
+                  <a:pt x="1887955" y="18288"/>
+                </a:cubicBezTo>
+                <a:cubicBezTo>
+                  <a:pt x="1591574" y="16977"/>
+                  <a:pt x="1548845" y="6870"/>
+                  <a:pt x="1334589" y="18288"/>
+                </a:cubicBezTo>
+                <a:cubicBezTo>
+                  <a:pt x="1120333" y="29706"/>
+                  <a:pt x="996014" y="9662"/>
+                  <a:pt x="683570" y="18288"/>
+                </a:cubicBezTo>
+                <a:cubicBezTo>
+                  <a:pt x="371126" y="26914"/>
+                  <a:pt x="198687" y="16167"/>
+                  <a:pt x="0" y="18288"/>
+                </a:cubicBezTo>
+                <a:cubicBezTo>
+                  <a:pt x="843" y="9577"/>
+                  <a:pt x="371" y="6900"/>
+                  <a:pt x="0" y="0"/>
+                </a:cubicBezTo>
+                <a:close/>
+              </a:path>
+            </a:pathLst>
+          </a:custGeom>
+          <a:solidFill>
+            <a:schemeClr val="accent2"/>
+          </a:solidFill>
+          <a:ln w="38100" cap="rnd">
+            <a:solidFill>
+              <a:schemeClr val="accent2"/>
+            </a:solidFill>
+            <a:round/>
+            <a:extLst>
+              <a:ext uri="{C807C97D-BFC1-408E-A445-0C87EB9F89A2}">
+                <ask:lineSketchStyleProps xmlns:ask="http://schemas.microsoft.com/office/drawing/2018/sketchyshapes" sd="1219033472">
+                  <a:prstGeom prst="rect">
+                    <a:avLst/>
+                  </a:prstGeom>
+                  <ask:type>
+                    <ask:lineSketchFreehand/>
+                  </ask:type>
+                </ask:lineSketchStyleProps>
+              </a:ext>
+            </a:extLst>
+          </a:ln>
+        </p:spPr>
+        <p:style>
+          <a:lnRef idx="2">
+            <a:schemeClr val="accent1">
+              <a:shade val="50000"/>
+            </a:schemeClr>
+          </a:lnRef>
+          <a:fillRef idx="1">
+            <a:schemeClr val="accent1"/>
+          </a:fillRef>
+          <a:effectRef idx="0">
+            <a:schemeClr val="accent1"/>
+          </a:effectRef>
+          <a:fontRef idx="minor">
+            <a:schemeClr val="lt1"/>
+          </a:fontRef>
+        </p:style>
+        <p:txBody>
+          <a:bodyPr rtlCol="0" anchor="ctr"/>
+          <a:lstStyle/>
+          <a:p>
+            <a:pPr algn="ctr"/>
+            <a:endParaRPr lang="en-US"/>
+          </a:p>
+        </p:txBody>
+      </p:sp>
+      <p:pic>
+        <p:nvPicPr>
+          <p:cNvPr id="5" name="Segnaposto contenuto 4" descr="Immagine che contiene testo, schermata, Carattere, diagramma&#10;&#10;Descrizione generata automaticamente">
+            <a:extLst>
+              <a:ext uri="{FF2B5EF4-FFF2-40B4-BE49-F238E27FC236}">
+                <a16:creationId xmlns:a16="http://schemas.microsoft.com/office/drawing/2014/main" id="{29007FA8-BB73-036F-B574-5018591BFE0F}"/>
+              </a:ext>
+            </a:extLst>
+          </p:cNvPr>
+          <p:cNvPicPr>
+            <a:picLocks noChangeAspect="1"/>
+          </p:cNvPicPr>
+          <p:nvPr/>
+        </p:nvPicPr>
+        <p:blipFill>
+          <a:blip r:embed="rId2"/>
+          <a:stretch>
+            <a:fillRect/>
+          </a:stretch>
+        </p:blipFill>
+        <p:spPr>
+          <a:xfrm>
+            <a:off x="1245996" y="1597951"/>
+            <a:ext cx="9478007" cy="4620529"/>
+          </a:xfrm>
+          <a:prstGeom prst="rect">
+            <a:avLst/>
+          </a:prstGeom>
+        </p:spPr>
+      </p:pic>
+    </p:spTree>
+    <p:extLst>
+      <p:ext uri="{BB962C8B-B14F-4D97-AF65-F5344CB8AC3E}">
+        <p14:creationId xmlns:p14="http://schemas.microsoft.com/office/powerpoint/2010/main" val="2381464600"/>
+      </p:ext>
+    </p:extLst>
+  </p:cSld>
+  <p:clrMapOvr>
+    <a:masterClrMapping/>
+  </p:clrMapOvr>
+</p:sld>
+</file>
+
+<file path=ppt/slides/slide7.xml><?xml version="1.0" encoding="utf-8"?>
+<p:sld xmlns:a="http://schemas.openxmlformats.org/drawingml/2006/main" xmlns:r="http://schemas.openxmlformats.org/officeDocument/2006/relationships" xmlns:p="http://schemas.openxmlformats.org/presentationml/2006/main">
+  <p:cSld>
+    <p:bg>
+      <p:bgPr>
+        <a:solidFill>
+          <a:schemeClr val="bg1"/>
+        </a:solidFill>
+        <a:effectLst/>
+      </p:bgPr>
+    </p:bg>
+    <p:spTree>
+      <p:nvGrpSpPr>
+        <p:cNvPr id="1" name=""/>
+        <p:cNvGrpSpPr/>
+        <p:nvPr/>
+      </p:nvGrpSpPr>
+      <p:grpSpPr>
+        <a:xfrm>
+          <a:off x="0" y="0"/>
+          <a:ext cx="0" cy="0"/>
+          <a:chOff x="0" y="0"/>
+          <a:chExt cx="0" cy="0"/>
+        </a:xfrm>
+      </p:grpSpPr>
+      <p:sp useBgFill="1">
+        <p:nvSpPr>
+          <p:cNvPr id="31" name="Rectangle 30">
+            <a:extLst>
+              <a:ext uri="{FF2B5EF4-FFF2-40B4-BE49-F238E27FC236}">
+                <a16:creationId xmlns:a16="http://schemas.microsoft.com/office/drawing/2014/main" id="{8A94871E-96FC-4ADE-815B-41A636E34F1A}"/>
+              </a:ext>
+              <a:ext uri="{C183D7F6-B498-43B3-948B-1728B52AA6E4}">
+                <adec:decorative xmlns:adec="http://schemas.microsoft.com/office/drawing/2017/decorative" val="1"/>
+              </a:ext>
+            </a:extLst>
+          </p:cNvPr>
+          <p:cNvSpPr>
+            <a:spLocks noGrp="1" noRot="1" noChangeAspect="1" noMove="1" noResize="1" noEditPoints="1" noAdjustHandles="1" noChangeArrowheads="1" noChangeShapeType="1" noTextEdit="1"/>
+          </p:cNvSpPr>
+          <p:nvPr>
+            <p:extLst>
+              <p:ext uri="{386F3935-93C4-4BCD-93E2-E3B085C9AB24}">
+                <p16:designElem xmlns:p16="http://schemas.microsoft.com/office/powerpoint/2015/main" val="1"/>
+              </p:ext>
+            </p:extLst>
+          </p:nvPr>
+        </p:nvSpPr>
+        <p:spPr>
+          <a:xfrm>
+            <a:off x="0" y="0"/>
+            <a:ext cx="12192000" cy="6858000"/>
+          </a:xfrm>
+          <a:prstGeom prst="rect">
+            <a:avLst/>
+          </a:prstGeom>
+          <a:ln>
+            <a:noFill/>
+          </a:ln>
+        </p:spPr>
+        <p:style>
+          <a:lnRef idx="2">
+            <a:schemeClr val="accent1">
+              <a:shade val="50000"/>
+            </a:schemeClr>
+          </a:lnRef>
+          <a:fillRef idx="1">
+            <a:schemeClr val="accent1"/>
+          </a:fillRef>
+          <a:effectRef idx="0">
+            <a:schemeClr val="accent1"/>
+          </a:effectRef>
+          <a:fontRef idx="minor">
+            <a:schemeClr val="lt1"/>
+          </a:fontRef>
+        </p:style>
+        <p:txBody>
+          <a:bodyPr rtlCol="0" anchor="ctr"/>
+          <a:lstStyle/>
+          <a:p>
+            <a:pPr algn="ctr"/>
+            <a:endParaRPr lang="en-US"/>
+          </a:p>
+        </p:txBody>
+      </p:sp>
+      <p:sp>
+        <p:nvSpPr>
+          <p:cNvPr id="2" name="Titolo 1">
+            <a:extLst>
+              <a:ext uri="{FF2B5EF4-FFF2-40B4-BE49-F238E27FC236}">
+                <a16:creationId xmlns:a16="http://schemas.microsoft.com/office/drawing/2014/main" id="{B9F06D50-E978-27F7-6CE2-224DEA78C7AE}"/>
               </a:ext>
             </a:extLst>
           </p:cNvPr>
@@ -12568,165 +13304,1433 @@
             <a:spLocks noGrp="1"/>
           </p:cNvSpPr>
           <p:nvPr>
-            <p:ph idx="1"/>
+            <p:ph type="title"/>
           </p:nvPr>
         </p:nvSpPr>
-        <p:spPr/>
+        <p:spPr>
+          <a:xfrm>
+            <a:off x="640080" y="320040"/>
+            <a:ext cx="6692827" cy="3892669"/>
+          </a:xfrm>
+        </p:spPr>
         <p:txBody>
-          <a:bodyPr/>
+          <a:bodyPr vert="horz" lIns="91440" tIns="45720" rIns="91440" bIns="45720" rtlCol="0" anchor="b">
+            <a:normAutofit/>
+          </a:bodyPr>
           <a:lstStyle/>
           <a:p>
             <a:r>
-              <a:rPr lang="it-IT" dirty="0">
+              <a:rPr lang="en-US" sz="4800" kern="1200" dirty="0">
                 <a:solidFill>
-                  <a:srgbClr val="FF0000"/>
+                  <a:schemeClr val="tx1"/>
                 </a:solidFill>
+                <a:latin typeface="+mj-lt"/>
+                <a:ea typeface="+mj-ea"/>
+                <a:cs typeface="+mj-cs"/>
               </a:rPr>
-              <a:t>Cosa abbiamo ottenuto a valle dell’iterazione ? </a:t>
+              <a:t>SEQUENCE DIAGRAM</a:t>
             </a:r>
-          </a:p>
-          <a:p>
-            <a:pPr lvl="1"/>
+            <a:br>
+              <a:rPr lang="en-US" sz="4800" kern="1200" dirty="0">
+                <a:solidFill>
+                  <a:schemeClr val="tx1"/>
+                </a:solidFill>
+                <a:latin typeface="+mj-lt"/>
+                <a:ea typeface="+mj-ea"/>
+                <a:cs typeface="+mj-cs"/>
+              </a:rPr>
+            </a:br>
             <a:r>
-              <a:rPr lang="it-IT" dirty="0"/>
-              <a:t>Comprensione del framework Spring Boot e delle REST </a:t>
+              <a:rPr lang="en-US" sz="4800" kern="1200" dirty="0">
+                <a:solidFill>
+                  <a:schemeClr val="tx1"/>
+                </a:solidFill>
+                <a:latin typeface="+mj-lt"/>
+                <a:ea typeface="+mj-ea"/>
+                <a:cs typeface="+mj-cs"/>
+              </a:rPr>
+              <a:t>- </a:t>
             </a:r>
             <a:r>
-              <a:rPr lang="it-IT" dirty="0" err="1"/>
-              <a:t>APIs</a:t>
+              <a:rPr lang="en-US" sz="4800" kern="1200" dirty="0" err="1">
+                <a:solidFill>
+                  <a:schemeClr val="tx1"/>
+                </a:solidFill>
+                <a:latin typeface="+mj-lt"/>
+                <a:ea typeface="+mj-ea"/>
+                <a:cs typeface="+mj-cs"/>
+              </a:rPr>
+              <a:t>viewAll</a:t>
             </a:r>
-            <a:endParaRPr lang="it-IT" dirty="0"/>
-          </a:p>
-          <a:p>
-            <a:pPr lvl="1"/>
-            <a:r>
-              <a:rPr lang="it-IT" dirty="0"/>
-              <a:t>Esplorazione di tool quali </a:t>
-            </a:r>
-            <a:r>
-              <a:rPr lang="it-IT" dirty="0" err="1"/>
-              <a:t>Maven</a:t>
-            </a:r>
-            <a:r>
-              <a:rPr lang="it-IT" dirty="0"/>
-              <a:t>, </a:t>
-            </a:r>
-            <a:r>
-              <a:rPr lang="it-IT" dirty="0" err="1"/>
-              <a:t>Faster</a:t>
-            </a:r>
-            <a:r>
-              <a:rPr lang="it-IT" dirty="0"/>
-              <a:t>-XML, Lombok e Model Mapper</a:t>
-            </a:r>
-          </a:p>
-          <a:p>
-            <a:pPr lvl="1"/>
-            <a:endParaRPr lang="it-IT" dirty="0"/>
-          </a:p>
-          <a:p>
-            <a:endParaRPr lang="it-IT" dirty="0"/>
-          </a:p>
-          <a:p>
-            <a:r>
-              <a:rPr lang="it-IT" dirty="0">
-                <a:solidFill>
-                  <a:srgbClr val="FF0000"/>
-                </a:solidFill>
-              </a:rPr>
-              <a:t>Come intendiamo procedere nella prossima iterazione?</a:t>
-            </a:r>
-          </a:p>
-          <a:p>
-            <a:pPr lvl="1"/>
-            <a:r>
-              <a:rPr lang="it-IT" dirty="0">
-                <a:solidFill>
-                  <a:srgbClr val="FF0000"/>
-                </a:solidFill>
-              </a:rPr>
-              <a:t>Definizione della dimensione massima del file da caricare e scaricare</a:t>
-            </a:r>
-          </a:p>
-          <a:p>
-            <a:pPr lvl="1"/>
-            <a:r>
-              <a:rPr lang="it-IT" dirty="0">
-                <a:solidFill>
-                  <a:srgbClr val="FF0000"/>
-                </a:solidFill>
-              </a:rPr>
-              <a:t>CRUD </a:t>
-            </a:r>
-            <a:r>
-              <a:rPr lang="it-IT" dirty="0" err="1">
-                <a:solidFill>
-                  <a:srgbClr val="FF0000"/>
-                </a:solidFill>
-              </a:rPr>
-              <a:t>APIs</a:t>
-            </a:r>
-            <a:r>
-              <a:rPr lang="it-IT" dirty="0">
-                <a:solidFill>
-                  <a:srgbClr val="FF0000"/>
-                </a:solidFill>
-              </a:rPr>
-              <a:t> per l’amministratore</a:t>
-            </a:r>
-          </a:p>
-          <a:p>
-            <a:pPr lvl="1"/>
-            <a:r>
-              <a:rPr lang="it-IT" dirty="0">
-                <a:solidFill>
-                  <a:srgbClr val="FF0000"/>
-                </a:solidFill>
-              </a:rPr>
-              <a:t>Documentazione e diagrammi UML</a:t>
-            </a:r>
-          </a:p>
-          <a:p>
-            <a:pPr lvl="1"/>
-            <a:r>
-              <a:rPr lang="it-IT" dirty="0">
-                <a:solidFill>
-                  <a:srgbClr val="FF0000"/>
-                </a:solidFill>
-              </a:rPr>
-              <a:t>Test delle </a:t>
-            </a:r>
-            <a:r>
-              <a:rPr lang="it-IT">
-                <a:solidFill>
-                  <a:srgbClr val="FF0000"/>
-                </a:solidFill>
-              </a:rPr>
-              <a:t>funzionalità realizzate</a:t>
-            </a:r>
-            <a:r>
-              <a:rPr lang="it-IT" dirty="0">
-                <a:solidFill>
-                  <a:srgbClr val="FF0000"/>
-                </a:solidFill>
-              </a:rPr>
-              <a:t>	</a:t>
-            </a:r>
-          </a:p>
-          <a:p>
-            <a:pPr lvl="1"/>
-            <a:endParaRPr lang="it-IT" dirty="0">
+            <a:endParaRPr lang="en-US" sz="4800" kern="1200" dirty="0">
               <a:solidFill>
-                <a:srgbClr val="FF0000"/>
+                <a:schemeClr val="tx1"/>
               </a:solidFill>
+              <a:latin typeface="+mj-lt"/>
+              <a:ea typeface="+mj-ea"/>
+              <a:cs typeface="+mj-cs"/>
             </a:endParaRPr>
           </a:p>
         </p:txBody>
       </p:sp>
+      <p:sp>
+        <p:nvSpPr>
+          <p:cNvPr id="33" name="sketch line">
+            <a:extLst>
+              <a:ext uri="{FF2B5EF4-FFF2-40B4-BE49-F238E27FC236}">
+                <a16:creationId xmlns:a16="http://schemas.microsoft.com/office/drawing/2014/main" id="{3FCFB1DE-0B7E-48CC-BA90-B2AB0889F9D6}"/>
+              </a:ext>
+              <a:ext uri="{C183D7F6-B498-43B3-948B-1728B52AA6E4}">
+                <adec:decorative xmlns:adec="http://schemas.microsoft.com/office/drawing/2017/decorative" val="1"/>
+              </a:ext>
+            </a:extLst>
+          </p:cNvPr>
+          <p:cNvSpPr>
+            <a:spLocks noGrp="1" noRot="1" noChangeAspect="1" noMove="1" noResize="1" noEditPoints="1" noAdjustHandles="1" noChangeArrowheads="1" noChangeShapeType="1" noTextEdit="1"/>
+          </p:cNvSpPr>
+          <p:nvPr>
+            <p:extLst>
+              <p:ext uri="{386F3935-93C4-4BCD-93E2-E3B085C9AB24}">
+                <p16:designElem xmlns:p16="http://schemas.microsoft.com/office/powerpoint/2015/main" val="1"/>
+              </p:ext>
+            </p:extLst>
+          </p:nvPr>
+        </p:nvSpPr>
+        <p:spPr>
+          <a:xfrm>
+            <a:off x="714562" y="4409267"/>
+            <a:ext cx="4243589" cy="18288"/>
+          </a:xfrm>
+          <a:custGeom>
+            <a:avLst/>
+            <a:gdLst>
+              <a:gd name="connsiteX0" fmla="*/ 0 w 4243589"/>
+              <a:gd name="connsiteY0" fmla="*/ 0 h 18288"/>
+              <a:gd name="connsiteX1" fmla="*/ 563791 w 4243589"/>
+              <a:gd name="connsiteY1" fmla="*/ 0 h 18288"/>
+              <a:gd name="connsiteX2" fmla="*/ 1042710 w 4243589"/>
+              <a:gd name="connsiteY2" fmla="*/ 0 h 18288"/>
+              <a:gd name="connsiteX3" fmla="*/ 1564066 w 4243589"/>
+              <a:gd name="connsiteY3" fmla="*/ 0 h 18288"/>
+              <a:gd name="connsiteX4" fmla="*/ 2212729 w 4243589"/>
+              <a:gd name="connsiteY4" fmla="*/ 0 h 18288"/>
+              <a:gd name="connsiteX5" fmla="*/ 2776520 w 4243589"/>
+              <a:gd name="connsiteY5" fmla="*/ 0 h 18288"/>
+              <a:gd name="connsiteX6" fmla="*/ 3297875 w 4243589"/>
+              <a:gd name="connsiteY6" fmla="*/ 0 h 18288"/>
+              <a:gd name="connsiteX7" fmla="*/ 4243589 w 4243589"/>
+              <a:gd name="connsiteY7" fmla="*/ 0 h 18288"/>
+              <a:gd name="connsiteX8" fmla="*/ 4243589 w 4243589"/>
+              <a:gd name="connsiteY8" fmla="*/ 18288 h 18288"/>
+              <a:gd name="connsiteX9" fmla="*/ 3637362 w 4243589"/>
+              <a:gd name="connsiteY9" fmla="*/ 18288 h 18288"/>
+              <a:gd name="connsiteX10" fmla="*/ 3116007 w 4243589"/>
+              <a:gd name="connsiteY10" fmla="*/ 18288 h 18288"/>
+              <a:gd name="connsiteX11" fmla="*/ 2424908 w 4243589"/>
+              <a:gd name="connsiteY11" fmla="*/ 18288 h 18288"/>
+              <a:gd name="connsiteX12" fmla="*/ 1861117 w 4243589"/>
+              <a:gd name="connsiteY12" fmla="*/ 18288 h 18288"/>
+              <a:gd name="connsiteX13" fmla="*/ 1382198 w 4243589"/>
+              <a:gd name="connsiteY13" fmla="*/ 18288 h 18288"/>
+              <a:gd name="connsiteX14" fmla="*/ 733535 w 4243589"/>
+              <a:gd name="connsiteY14" fmla="*/ 18288 h 18288"/>
+              <a:gd name="connsiteX15" fmla="*/ 0 w 4243589"/>
+              <a:gd name="connsiteY15" fmla="*/ 18288 h 18288"/>
+              <a:gd name="connsiteX16" fmla="*/ 0 w 4243589"/>
+              <a:gd name="connsiteY16" fmla="*/ 0 h 18288"/>
+            </a:gdLst>
+            <a:ahLst/>
+            <a:cxnLst>
+              <a:cxn ang="0">
+                <a:pos x="connsiteX0" y="connsiteY0"/>
+              </a:cxn>
+              <a:cxn ang="0">
+                <a:pos x="connsiteX1" y="connsiteY1"/>
+              </a:cxn>
+              <a:cxn ang="0">
+                <a:pos x="connsiteX2" y="connsiteY2"/>
+              </a:cxn>
+              <a:cxn ang="0">
+                <a:pos x="connsiteX3" y="connsiteY3"/>
+              </a:cxn>
+              <a:cxn ang="0">
+                <a:pos x="connsiteX4" y="connsiteY4"/>
+              </a:cxn>
+              <a:cxn ang="0">
+                <a:pos x="connsiteX5" y="connsiteY5"/>
+              </a:cxn>
+              <a:cxn ang="0">
+                <a:pos x="connsiteX6" y="connsiteY6"/>
+              </a:cxn>
+              <a:cxn ang="0">
+                <a:pos x="connsiteX7" y="connsiteY7"/>
+              </a:cxn>
+              <a:cxn ang="0">
+                <a:pos x="connsiteX8" y="connsiteY8"/>
+              </a:cxn>
+              <a:cxn ang="0">
+                <a:pos x="connsiteX9" y="connsiteY9"/>
+              </a:cxn>
+              <a:cxn ang="0">
+                <a:pos x="connsiteX10" y="connsiteY10"/>
+              </a:cxn>
+              <a:cxn ang="0">
+                <a:pos x="connsiteX11" y="connsiteY11"/>
+              </a:cxn>
+              <a:cxn ang="0">
+                <a:pos x="connsiteX12" y="connsiteY12"/>
+              </a:cxn>
+              <a:cxn ang="0">
+                <a:pos x="connsiteX13" y="connsiteY13"/>
+              </a:cxn>
+              <a:cxn ang="0">
+                <a:pos x="connsiteX14" y="connsiteY14"/>
+              </a:cxn>
+              <a:cxn ang="0">
+                <a:pos x="connsiteX15" y="connsiteY15"/>
+              </a:cxn>
+              <a:cxn ang="0">
+                <a:pos x="connsiteX16" y="connsiteY16"/>
+              </a:cxn>
+            </a:cxnLst>
+            <a:rect l="l" t="t" r="r" b="b"/>
+            <a:pathLst>
+              <a:path w="4243589" h="18288" fill="none" extrusionOk="0">
+                <a:moveTo>
+                  <a:pt x="0" y="0"/>
+                </a:moveTo>
+                <a:cubicBezTo>
+                  <a:pt x="157351" y="-15653"/>
+                  <a:pt x="378877" y="-5828"/>
+                  <a:pt x="563791" y="0"/>
+                </a:cubicBezTo>
+                <a:cubicBezTo>
+                  <a:pt x="748705" y="5828"/>
+                  <a:pt x="905659" y="-5525"/>
+                  <a:pt x="1042710" y="0"/>
+                </a:cubicBezTo>
+                <a:cubicBezTo>
+                  <a:pt x="1179761" y="5525"/>
+                  <a:pt x="1356845" y="-21288"/>
+                  <a:pt x="1564066" y="0"/>
+                </a:cubicBezTo>
+                <a:cubicBezTo>
+                  <a:pt x="1771287" y="21288"/>
+                  <a:pt x="1912099" y="25135"/>
+                  <a:pt x="2212729" y="0"/>
+                </a:cubicBezTo>
+                <a:cubicBezTo>
+                  <a:pt x="2513359" y="-25135"/>
+                  <a:pt x="2514918" y="-27119"/>
+                  <a:pt x="2776520" y="0"/>
+                </a:cubicBezTo>
+                <a:cubicBezTo>
+                  <a:pt x="3038122" y="27119"/>
+                  <a:pt x="3178771" y="18116"/>
+                  <a:pt x="3297875" y="0"/>
+                </a:cubicBezTo>
+                <a:cubicBezTo>
+                  <a:pt x="3416980" y="-18116"/>
+                  <a:pt x="4012240" y="-40869"/>
+                  <a:pt x="4243589" y="0"/>
+                </a:cubicBezTo>
+                <a:cubicBezTo>
+                  <a:pt x="4243987" y="7429"/>
+                  <a:pt x="4243569" y="10822"/>
+                  <a:pt x="4243589" y="18288"/>
+                </a:cubicBezTo>
+                <a:cubicBezTo>
+                  <a:pt x="4112949" y="-2855"/>
+                  <a:pt x="3928037" y="1831"/>
+                  <a:pt x="3637362" y="18288"/>
+                </a:cubicBezTo>
+                <a:cubicBezTo>
+                  <a:pt x="3346687" y="34745"/>
+                  <a:pt x="3254446" y="26669"/>
+                  <a:pt x="3116007" y="18288"/>
+                </a:cubicBezTo>
+                <a:cubicBezTo>
+                  <a:pt x="2977569" y="9907"/>
+                  <a:pt x="2620228" y="28873"/>
+                  <a:pt x="2424908" y="18288"/>
+                </a:cubicBezTo>
+                <a:cubicBezTo>
+                  <a:pt x="2229588" y="7703"/>
+                  <a:pt x="2088287" y="-3854"/>
+                  <a:pt x="1861117" y="18288"/>
+                </a:cubicBezTo>
+                <a:cubicBezTo>
+                  <a:pt x="1633947" y="40430"/>
+                  <a:pt x="1502447" y="-871"/>
+                  <a:pt x="1382198" y="18288"/>
+                </a:cubicBezTo>
+                <a:cubicBezTo>
+                  <a:pt x="1261949" y="37447"/>
+                  <a:pt x="1045440" y="28353"/>
+                  <a:pt x="733535" y="18288"/>
+                </a:cubicBezTo>
+                <a:cubicBezTo>
+                  <a:pt x="421630" y="8223"/>
+                  <a:pt x="341257" y="-18359"/>
+                  <a:pt x="0" y="18288"/>
+                </a:cubicBezTo>
+                <a:cubicBezTo>
+                  <a:pt x="-591" y="13205"/>
+                  <a:pt x="-663" y="6329"/>
+                  <a:pt x="0" y="0"/>
+                </a:cubicBezTo>
+                <a:close/>
+              </a:path>
+              <a:path w="4243589" h="18288" stroke="0" extrusionOk="0">
+                <a:moveTo>
+                  <a:pt x="0" y="0"/>
+                </a:moveTo>
+                <a:cubicBezTo>
+                  <a:pt x="128164" y="17204"/>
+                  <a:pt x="312653" y="1129"/>
+                  <a:pt x="563791" y="0"/>
+                </a:cubicBezTo>
+                <a:cubicBezTo>
+                  <a:pt x="814929" y="-1129"/>
+                  <a:pt x="837271" y="8503"/>
+                  <a:pt x="1042710" y="0"/>
+                </a:cubicBezTo>
+                <a:cubicBezTo>
+                  <a:pt x="1248149" y="-8503"/>
+                  <a:pt x="1588432" y="-28862"/>
+                  <a:pt x="1733809" y="0"/>
+                </a:cubicBezTo>
+                <a:cubicBezTo>
+                  <a:pt x="1879186" y="28862"/>
+                  <a:pt x="2052815" y="5974"/>
+                  <a:pt x="2297600" y="0"/>
+                </a:cubicBezTo>
+                <a:cubicBezTo>
+                  <a:pt x="2542385" y="-5974"/>
+                  <a:pt x="2699960" y="-23550"/>
+                  <a:pt x="2861391" y="0"/>
+                </a:cubicBezTo>
+                <a:cubicBezTo>
+                  <a:pt x="3022822" y="23550"/>
+                  <a:pt x="3390411" y="25272"/>
+                  <a:pt x="3552490" y="0"/>
+                </a:cubicBezTo>
+                <a:cubicBezTo>
+                  <a:pt x="3714569" y="-25272"/>
+                  <a:pt x="3950585" y="-31327"/>
+                  <a:pt x="4243589" y="0"/>
+                </a:cubicBezTo>
+                <a:cubicBezTo>
+                  <a:pt x="4242703" y="5429"/>
+                  <a:pt x="4244410" y="14046"/>
+                  <a:pt x="4243589" y="18288"/>
+                </a:cubicBezTo>
+                <a:cubicBezTo>
+                  <a:pt x="4130424" y="-1240"/>
+                  <a:pt x="3932803" y="42249"/>
+                  <a:pt x="3722234" y="18288"/>
+                </a:cubicBezTo>
+                <a:cubicBezTo>
+                  <a:pt x="3511665" y="-5673"/>
+                  <a:pt x="3269903" y="45994"/>
+                  <a:pt x="3116007" y="18288"/>
+                </a:cubicBezTo>
+                <a:cubicBezTo>
+                  <a:pt x="2962111" y="-9418"/>
+                  <a:pt x="2744280" y="23224"/>
+                  <a:pt x="2509780" y="18288"/>
+                </a:cubicBezTo>
+                <a:cubicBezTo>
+                  <a:pt x="2275280" y="13352"/>
+                  <a:pt x="2066059" y="43664"/>
+                  <a:pt x="1945989" y="18288"/>
+                </a:cubicBezTo>
+                <a:cubicBezTo>
+                  <a:pt x="1825919" y="-7088"/>
+                  <a:pt x="1407329" y="12616"/>
+                  <a:pt x="1254890" y="18288"/>
+                </a:cubicBezTo>
+                <a:cubicBezTo>
+                  <a:pt x="1102451" y="23960"/>
+                  <a:pt x="837950" y="31673"/>
+                  <a:pt x="563791" y="18288"/>
+                </a:cubicBezTo>
+                <a:cubicBezTo>
+                  <a:pt x="289632" y="4903"/>
+                  <a:pt x="132768" y="7105"/>
+                  <a:pt x="0" y="18288"/>
+                </a:cubicBezTo>
+                <a:cubicBezTo>
+                  <a:pt x="668" y="13665"/>
+                  <a:pt x="578" y="5675"/>
+                  <a:pt x="0" y="0"/>
+                </a:cubicBezTo>
+                <a:close/>
+              </a:path>
+            </a:pathLst>
+          </a:custGeom>
+          <a:solidFill>
+            <a:schemeClr val="accent2"/>
+          </a:solidFill>
+          <a:ln w="38100" cap="rnd">
+            <a:solidFill>
+              <a:schemeClr val="accent2"/>
+            </a:solidFill>
+            <a:round/>
+            <a:extLst>
+              <a:ext uri="{C807C97D-BFC1-408E-A445-0C87EB9F89A2}">
+                <ask:lineSketchStyleProps xmlns:ask="http://schemas.microsoft.com/office/drawing/2018/sketchyshapes" sd="1219033472">
+                  <a:prstGeom prst="rect">
+                    <a:avLst/>
+                  </a:prstGeom>
+                  <ask:type>
+                    <ask:lineSketchFreehand/>
+                  </ask:type>
+                </ask:lineSketchStyleProps>
+              </a:ext>
+            </a:extLst>
+          </a:ln>
+        </p:spPr>
+        <p:style>
+          <a:lnRef idx="2">
+            <a:schemeClr val="accent1">
+              <a:shade val="50000"/>
+            </a:schemeClr>
+          </a:lnRef>
+          <a:fillRef idx="1">
+            <a:schemeClr val="accent1"/>
+          </a:fillRef>
+          <a:effectRef idx="0">
+            <a:schemeClr val="accent1"/>
+          </a:effectRef>
+          <a:fontRef idx="minor">
+            <a:schemeClr val="lt1"/>
+          </a:fontRef>
+        </p:style>
+        <p:txBody>
+          <a:bodyPr rtlCol="0" anchor="ctr"/>
+          <a:lstStyle/>
+          <a:p>
+            <a:pPr algn="ctr"/>
+            <a:endParaRPr lang="en-US"/>
+          </a:p>
+        </p:txBody>
+      </p:sp>
+      <p:pic>
+        <p:nvPicPr>
+          <p:cNvPr id="5" name="Immagine 4">
+            <a:extLst>
+              <a:ext uri="{FF2B5EF4-FFF2-40B4-BE49-F238E27FC236}">
+                <a16:creationId xmlns:a16="http://schemas.microsoft.com/office/drawing/2014/main" id="{0E9AB0FD-6372-B1C8-E91D-AA78829CE0E3}"/>
+              </a:ext>
+            </a:extLst>
+          </p:cNvPr>
+          <p:cNvPicPr>
+            <a:picLocks noChangeAspect="1"/>
+          </p:cNvPicPr>
+          <p:nvPr/>
+        </p:nvPicPr>
+        <p:blipFill>
+          <a:blip r:embed="rId2"/>
+          <a:srcRect l="6640" r="6640"/>
+          <a:stretch/>
+        </p:blipFill>
+        <p:spPr>
+          <a:xfrm>
+            <a:off x="4712677" y="669622"/>
+            <a:ext cx="7169210" cy="5556431"/>
+          </a:xfrm>
+          <a:prstGeom prst="rect">
+            <a:avLst/>
+          </a:prstGeom>
+        </p:spPr>
+      </p:pic>
     </p:spTree>
     <p:extLst>
       <p:ext uri="{BB962C8B-B14F-4D97-AF65-F5344CB8AC3E}">
-        <p14:creationId xmlns:p14="http://schemas.microsoft.com/office/powerpoint/2010/main" val="3918183923"/>
+        <p14:creationId xmlns:p14="http://schemas.microsoft.com/office/powerpoint/2010/main" val="3875056974"/>
+      </p:ext>
+    </p:extLst>
+  </p:cSld>
+  <p:clrMapOvr>
+    <a:masterClrMapping/>
+  </p:clrMapOvr>
+  <p:timing>
+    <p:tnLst>
+      <p:par>
+        <p:cTn id="1" dur="indefinite" restart="never" nodeType="tmRoot">
+          <p:childTnLst>
+            <p:seq concurrent="1" nextAc="seek">
+              <p:cTn id="2" dur="indefinite" nodeType="mainSeq">
+                <p:childTnLst>
+                  <p:par>
+                    <p:cTn id="3" fill="hold">
+                      <p:stCondLst>
+                        <p:cond delay="indefinite"/>
+                        <p:cond evt="onBegin" delay="0">
+                          <p:tn val="2"/>
+                        </p:cond>
+                      </p:stCondLst>
+                      <p:childTnLst>
+                        <p:par>
+                          <p:cTn id="4" fill="hold">
+                            <p:stCondLst>
+                              <p:cond delay="0"/>
+                            </p:stCondLst>
+                            <p:childTnLst>
+                              <p:par>
+                                <p:cTn id="5" presetID="10" presetClass="entr" presetSubtype="0" fill="hold" grpId="0" nodeType="withEffect">
+                                  <p:stCondLst>
+                                    <p:cond delay="1000"/>
+                                  </p:stCondLst>
+                                  <p:iterate>
+                                    <p:tmPct val="10000"/>
+                                  </p:iterate>
+                                  <p:childTnLst>
+                                    <p:set>
+                                      <p:cBhvr>
+                                        <p:cTn id="6" dur="1" fill="hold">
+                                          <p:stCondLst>
+                                            <p:cond delay="0"/>
+                                          </p:stCondLst>
+                                        </p:cTn>
+                                        <p:tgtEl>
+                                          <p:spTgt spid="2"/>
+                                        </p:tgtEl>
+                                        <p:attrNameLst>
+                                          <p:attrName>style.visibility</p:attrName>
+                                        </p:attrNameLst>
+                                      </p:cBhvr>
+                                      <p:to>
+                                        <p:strVal val="visible"/>
+                                      </p:to>
+                                    </p:set>
+                                    <p:animEffect transition="in" filter="fade">
+                                      <p:cBhvr>
+                                        <p:cTn id="7" dur="700"/>
+                                        <p:tgtEl>
+                                          <p:spTgt spid="2"/>
+                                        </p:tgtEl>
+                                      </p:cBhvr>
+                                    </p:animEffect>
+                                  </p:childTnLst>
+                                </p:cTn>
+                              </p:par>
+                            </p:childTnLst>
+                          </p:cTn>
+                        </p:par>
+                      </p:childTnLst>
+                    </p:cTn>
+                  </p:par>
+                </p:childTnLst>
+              </p:cTn>
+              <p:prevCondLst>
+                <p:cond evt="onPrev" delay="0">
+                  <p:tgtEl>
+                    <p:sldTgt/>
+                  </p:tgtEl>
+                </p:cond>
+              </p:prevCondLst>
+              <p:nextCondLst>
+                <p:cond evt="onNext" delay="0">
+                  <p:tgtEl>
+                    <p:sldTgt/>
+                  </p:tgtEl>
+                </p:cond>
+              </p:nextCondLst>
+            </p:seq>
+          </p:childTnLst>
+        </p:cTn>
+      </p:par>
+    </p:tnLst>
+    <p:bldLst>
+      <p:bldP spid="2" grpId="0"/>
+    </p:bldLst>
+  </p:timing>
+</p:sld>
+</file>
+
+<file path=ppt/slides/slide8.xml><?xml version="1.0" encoding="utf-8"?>
+<p:sld xmlns:a="http://schemas.openxmlformats.org/drawingml/2006/main" xmlns:r="http://schemas.openxmlformats.org/officeDocument/2006/relationships" xmlns:p="http://schemas.openxmlformats.org/presentationml/2006/main">
+  <p:cSld>
+    <p:bg>
+      <p:bgPr>
+        <a:solidFill>
+          <a:schemeClr val="bg1"/>
+        </a:solidFill>
+        <a:effectLst/>
+      </p:bgPr>
+    </p:bg>
+    <p:spTree>
+      <p:nvGrpSpPr>
+        <p:cNvPr id="1" name=""/>
+        <p:cNvGrpSpPr/>
+        <p:nvPr/>
+      </p:nvGrpSpPr>
+      <p:grpSpPr>
+        <a:xfrm>
+          <a:off x="0" y="0"/>
+          <a:ext cx="0" cy="0"/>
+          <a:chOff x="0" y="0"/>
+          <a:chExt cx="0" cy="0"/>
+        </a:xfrm>
+      </p:grpSpPr>
+      <p:sp useBgFill="1">
+        <p:nvSpPr>
+          <p:cNvPr id="10" name="Rectangle 9">
+            <a:extLst>
+              <a:ext uri="{FF2B5EF4-FFF2-40B4-BE49-F238E27FC236}">
+                <a16:creationId xmlns:a16="http://schemas.microsoft.com/office/drawing/2014/main" id="{665DBBEF-238B-476B-96AB-8AAC3224ECEA}"/>
+              </a:ext>
+              <a:ext uri="{C183D7F6-B498-43B3-948B-1728B52AA6E4}">
+                <adec:decorative xmlns:adec="http://schemas.microsoft.com/office/drawing/2017/decorative" val="1"/>
+              </a:ext>
+            </a:extLst>
+          </p:cNvPr>
+          <p:cNvSpPr>
+            <a:spLocks noGrp="1" noRot="1" noChangeAspect="1" noMove="1" noResize="1" noEditPoints="1" noAdjustHandles="1" noChangeArrowheads="1" noChangeShapeType="1" noTextEdit="1"/>
+          </p:cNvSpPr>
+          <p:nvPr>
+            <p:extLst>
+              <p:ext uri="{386F3935-93C4-4BCD-93E2-E3B085C9AB24}">
+                <p16:designElem xmlns:p16="http://schemas.microsoft.com/office/powerpoint/2015/main" val="1"/>
+              </p:ext>
+            </p:extLst>
+          </p:nvPr>
+        </p:nvSpPr>
+        <p:spPr>
+          <a:xfrm>
+            <a:off x="0" y="0"/>
+            <a:ext cx="12192000" cy="6858000"/>
+          </a:xfrm>
+          <a:prstGeom prst="rect">
+            <a:avLst/>
+          </a:prstGeom>
+          <a:ln>
+            <a:noFill/>
+          </a:ln>
+        </p:spPr>
+        <p:style>
+          <a:lnRef idx="2">
+            <a:schemeClr val="accent1">
+              <a:shade val="50000"/>
+            </a:schemeClr>
+          </a:lnRef>
+          <a:fillRef idx="1">
+            <a:schemeClr val="accent1"/>
+          </a:fillRef>
+          <a:effectRef idx="0">
+            <a:schemeClr val="accent1"/>
+          </a:effectRef>
+          <a:fontRef idx="minor">
+            <a:schemeClr val="lt1"/>
+          </a:fontRef>
+        </p:style>
+        <p:txBody>
+          <a:bodyPr rtlCol="0" anchor="ctr"/>
+          <a:lstStyle/>
+          <a:p>
+            <a:pPr algn="ctr"/>
+            <a:endParaRPr lang="en-US"/>
+          </a:p>
+        </p:txBody>
+      </p:sp>
+      <p:sp>
+        <p:nvSpPr>
+          <p:cNvPr id="2" name="Titolo 1">
+            <a:extLst>
+              <a:ext uri="{FF2B5EF4-FFF2-40B4-BE49-F238E27FC236}">
+                <a16:creationId xmlns:a16="http://schemas.microsoft.com/office/drawing/2014/main" id="{3140B866-5DB9-5187-EBB9-728A41EFB412}"/>
+              </a:ext>
+            </a:extLst>
+          </p:cNvPr>
+          <p:cNvSpPr>
+            <a:spLocks noGrp="1"/>
+          </p:cNvSpPr>
+          <p:nvPr>
+            <p:ph type="title"/>
+          </p:nvPr>
+        </p:nvSpPr>
+        <p:spPr>
+          <a:xfrm>
+            <a:off x="638882" y="639193"/>
+            <a:ext cx="3571810" cy="3573516"/>
+          </a:xfrm>
+        </p:spPr>
+        <p:txBody>
+          <a:bodyPr vert="horz" lIns="91440" tIns="45720" rIns="91440" bIns="45720" rtlCol="0" anchor="b">
+            <a:normAutofit/>
+          </a:bodyPr>
+          <a:lstStyle/>
+          <a:p>
+            <a:r>
+              <a:rPr lang="en-US" sz="4100" kern="1200">
+                <a:solidFill>
+                  <a:schemeClr val="tx1"/>
+                </a:solidFill>
+                <a:latin typeface="+mj-lt"/>
+                <a:ea typeface="+mj-ea"/>
+                <a:cs typeface="+mj-cs"/>
+              </a:rPr>
+              <a:t>SEQUENCE DIAGRAM - uploadClassUT</a:t>
+            </a:r>
+          </a:p>
+        </p:txBody>
+      </p:sp>
+      <p:sp>
+        <p:nvSpPr>
+          <p:cNvPr id="12" name="sketch line">
+            <a:extLst>
+              <a:ext uri="{FF2B5EF4-FFF2-40B4-BE49-F238E27FC236}">
+                <a16:creationId xmlns:a16="http://schemas.microsoft.com/office/drawing/2014/main" id="{3FCFB1DE-0B7E-48CC-BA90-B2AB0889F9D6}"/>
+              </a:ext>
+              <a:ext uri="{C183D7F6-B498-43B3-948B-1728B52AA6E4}">
+                <adec:decorative xmlns:adec="http://schemas.microsoft.com/office/drawing/2017/decorative" val="1"/>
+              </a:ext>
+            </a:extLst>
+          </p:cNvPr>
+          <p:cNvSpPr>
+            <a:spLocks noGrp="1" noRot="1" noChangeAspect="1" noMove="1" noResize="1" noEditPoints="1" noAdjustHandles="1" noChangeArrowheads="1" noChangeShapeType="1" noTextEdit="1"/>
+          </p:cNvSpPr>
+          <p:nvPr>
+            <p:extLst>
+              <p:ext uri="{386F3935-93C4-4BCD-93E2-E3B085C9AB24}">
+                <p16:designElem xmlns:p16="http://schemas.microsoft.com/office/powerpoint/2015/main" val="1"/>
+              </p:ext>
+            </p:extLst>
+          </p:nvPr>
+        </p:nvSpPr>
+        <p:spPr>
+          <a:xfrm>
+            <a:off x="643278" y="4409267"/>
+            <a:ext cx="3255095" cy="18288"/>
+          </a:xfrm>
+          <a:custGeom>
+            <a:avLst/>
+            <a:gdLst>
+              <a:gd name="connsiteX0" fmla="*/ 0 w 3255095"/>
+              <a:gd name="connsiteY0" fmla="*/ 0 h 18288"/>
+              <a:gd name="connsiteX1" fmla="*/ 618468 w 3255095"/>
+              <a:gd name="connsiteY1" fmla="*/ 0 h 18288"/>
+              <a:gd name="connsiteX2" fmla="*/ 1269487 w 3255095"/>
+              <a:gd name="connsiteY2" fmla="*/ 0 h 18288"/>
+              <a:gd name="connsiteX3" fmla="*/ 1953057 w 3255095"/>
+              <a:gd name="connsiteY3" fmla="*/ 0 h 18288"/>
+              <a:gd name="connsiteX4" fmla="*/ 2636627 w 3255095"/>
+              <a:gd name="connsiteY4" fmla="*/ 0 h 18288"/>
+              <a:gd name="connsiteX5" fmla="*/ 3255095 w 3255095"/>
+              <a:gd name="connsiteY5" fmla="*/ 0 h 18288"/>
+              <a:gd name="connsiteX6" fmla="*/ 3255095 w 3255095"/>
+              <a:gd name="connsiteY6" fmla="*/ 18288 h 18288"/>
+              <a:gd name="connsiteX7" fmla="*/ 2538974 w 3255095"/>
+              <a:gd name="connsiteY7" fmla="*/ 18288 h 18288"/>
+              <a:gd name="connsiteX8" fmla="*/ 1822853 w 3255095"/>
+              <a:gd name="connsiteY8" fmla="*/ 18288 h 18288"/>
+              <a:gd name="connsiteX9" fmla="*/ 1171834 w 3255095"/>
+              <a:gd name="connsiteY9" fmla="*/ 18288 h 18288"/>
+              <a:gd name="connsiteX10" fmla="*/ 0 w 3255095"/>
+              <a:gd name="connsiteY10" fmla="*/ 18288 h 18288"/>
+              <a:gd name="connsiteX11" fmla="*/ 0 w 3255095"/>
+              <a:gd name="connsiteY11" fmla="*/ 0 h 18288"/>
+            </a:gdLst>
+            <a:ahLst/>
+            <a:cxnLst>
+              <a:cxn ang="0">
+                <a:pos x="connsiteX0" y="connsiteY0"/>
+              </a:cxn>
+              <a:cxn ang="0">
+                <a:pos x="connsiteX1" y="connsiteY1"/>
+              </a:cxn>
+              <a:cxn ang="0">
+                <a:pos x="connsiteX2" y="connsiteY2"/>
+              </a:cxn>
+              <a:cxn ang="0">
+                <a:pos x="connsiteX3" y="connsiteY3"/>
+              </a:cxn>
+              <a:cxn ang="0">
+                <a:pos x="connsiteX4" y="connsiteY4"/>
+              </a:cxn>
+              <a:cxn ang="0">
+                <a:pos x="connsiteX5" y="connsiteY5"/>
+              </a:cxn>
+              <a:cxn ang="0">
+                <a:pos x="connsiteX6" y="connsiteY6"/>
+              </a:cxn>
+              <a:cxn ang="0">
+                <a:pos x="connsiteX7" y="connsiteY7"/>
+              </a:cxn>
+              <a:cxn ang="0">
+                <a:pos x="connsiteX8" y="connsiteY8"/>
+              </a:cxn>
+              <a:cxn ang="0">
+                <a:pos x="connsiteX9" y="connsiteY9"/>
+              </a:cxn>
+              <a:cxn ang="0">
+                <a:pos x="connsiteX10" y="connsiteY10"/>
+              </a:cxn>
+              <a:cxn ang="0">
+                <a:pos x="connsiteX11" y="connsiteY11"/>
+              </a:cxn>
+            </a:cxnLst>
+            <a:rect l="l" t="t" r="r" b="b"/>
+            <a:pathLst>
+              <a:path w="3255095" h="18288" fill="none" extrusionOk="0">
+                <a:moveTo>
+                  <a:pt x="0" y="0"/>
+                </a:moveTo>
+                <a:cubicBezTo>
+                  <a:pt x="240201" y="-22123"/>
+                  <a:pt x="462021" y="-19623"/>
+                  <a:pt x="618468" y="0"/>
+                </a:cubicBezTo>
+                <a:cubicBezTo>
+                  <a:pt x="774915" y="19623"/>
+                  <a:pt x="974734" y="2035"/>
+                  <a:pt x="1269487" y="0"/>
+                </a:cubicBezTo>
+                <a:cubicBezTo>
+                  <a:pt x="1564240" y="-2035"/>
+                  <a:pt x="1733579" y="10639"/>
+                  <a:pt x="1953057" y="0"/>
+                </a:cubicBezTo>
+                <a:cubicBezTo>
+                  <a:pt x="2172535" y="-10639"/>
+                  <a:pt x="2453962" y="14018"/>
+                  <a:pt x="2636627" y="0"/>
+                </a:cubicBezTo>
+                <a:cubicBezTo>
+                  <a:pt x="2819292" y="-14018"/>
+                  <a:pt x="3121375" y="5399"/>
+                  <a:pt x="3255095" y="0"/>
+                </a:cubicBezTo>
+                <a:cubicBezTo>
+                  <a:pt x="3254386" y="8157"/>
+                  <a:pt x="3254682" y="12125"/>
+                  <a:pt x="3255095" y="18288"/>
+                </a:cubicBezTo>
+                <a:cubicBezTo>
+                  <a:pt x="3088545" y="23203"/>
+                  <a:pt x="2687475" y="7419"/>
+                  <a:pt x="2538974" y="18288"/>
+                </a:cubicBezTo>
+                <a:cubicBezTo>
+                  <a:pt x="2390473" y="29157"/>
+                  <a:pt x="2137381" y="-8959"/>
+                  <a:pt x="1822853" y="18288"/>
+                </a:cubicBezTo>
+                <a:cubicBezTo>
+                  <a:pt x="1508325" y="45535"/>
+                  <a:pt x="1466437" y="20385"/>
+                  <a:pt x="1171834" y="18288"/>
+                </a:cubicBezTo>
+                <a:cubicBezTo>
+                  <a:pt x="877231" y="16191"/>
+                  <a:pt x="561097" y="37643"/>
+                  <a:pt x="0" y="18288"/>
+                </a:cubicBezTo>
+                <a:cubicBezTo>
+                  <a:pt x="-46" y="12483"/>
+                  <a:pt x="-203" y="6491"/>
+                  <a:pt x="0" y="0"/>
+                </a:cubicBezTo>
+                <a:close/>
+              </a:path>
+              <a:path w="3255095" h="18288" stroke="0" extrusionOk="0">
+                <a:moveTo>
+                  <a:pt x="0" y="0"/>
+                </a:moveTo>
+                <a:cubicBezTo>
+                  <a:pt x="291965" y="19429"/>
+                  <a:pt x="363155" y="8568"/>
+                  <a:pt x="618468" y="0"/>
+                </a:cubicBezTo>
+                <a:cubicBezTo>
+                  <a:pt x="873781" y="-8568"/>
+                  <a:pt x="904459" y="-19505"/>
+                  <a:pt x="1171834" y="0"/>
+                </a:cubicBezTo>
+                <a:cubicBezTo>
+                  <a:pt x="1439209" y="19505"/>
+                  <a:pt x="1744369" y="9790"/>
+                  <a:pt x="1887955" y="0"/>
+                </a:cubicBezTo>
+                <a:cubicBezTo>
+                  <a:pt x="2031541" y="-9790"/>
+                  <a:pt x="2346378" y="21240"/>
+                  <a:pt x="2506423" y="0"/>
+                </a:cubicBezTo>
+                <a:cubicBezTo>
+                  <a:pt x="2666468" y="-21240"/>
+                  <a:pt x="2990257" y="30414"/>
+                  <a:pt x="3255095" y="0"/>
+                </a:cubicBezTo>
+                <a:cubicBezTo>
+                  <a:pt x="3254831" y="4493"/>
+                  <a:pt x="3255479" y="9472"/>
+                  <a:pt x="3255095" y="18288"/>
+                </a:cubicBezTo>
+                <a:cubicBezTo>
+                  <a:pt x="3120743" y="16690"/>
+                  <a:pt x="2759628" y="42462"/>
+                  <a:pt x="2604076" y="18288"/>
+                </a:cubicBezTo>
+                <a:cubicBezTo>
+                  <a:pt x="2448524" y="-5886"/>
+                  <a:pt x="2184336" y="19599"/>
+                  <a:pt x="1887955" y="18288"/>
+                </a:cubicBezTo>
+                <a:cubicBezTo>
+                  <a:pt x="1591574" y="16977"/>
+                  <a:pt x="1548845" y="6870"/>
+                  <a:pt x="1334589" y="18288"/>
+                </a:cubicBezTo>
+                <a:cubicBezTo>
+                  <a:pt x="1120333" y="29706"/>
+                  <a:pt x="996014" y="9662"/>
+                  <a:pt x="683570" y="18288"/>
+                </a:cubicBezTo>
+                <a:cubicBezTo>
+                  <a:pt x="371126" y="26914"/>
+                  <a:pt x="198687" y="16167"/>
+                  <a:pt x="0" y="18288"/>
+                </a:cubicBezTo>
+                <a:cubicBezTo>
+                  <a:pt x="843" y="9577"/>
+                  <a:pt x="371" y="6900"/>
+                  <a:pt x="0" y="0"/>
+                </a:cubicBezTo>
+                <a:close/>
+              </a:path>
+            </a:pathLst>
+          </a:custGeom>
+          <a:solidFill>
+            <a:schemeClr val="accent2"/>
+          </a:solidFill>
+          <a:ln w="38100" cap="rnd">
+            <a:solidFill>
+              <a:schemeClr val="accent2"/>
+            </a:solidFill>
+            <a:round/>
+            <a:extLst>
+              <a:ext uri="{C807C97D-BFC1-408E-A445-0C87EB9F89A2}">
+                <ask:lineSketchStyleProps xmlns:ask="http://schemas.microsoft.com/office/drawing/2018/sketchyshapes" sd="1219033472">
+                  <a:prstGeom prst="rect">
+                    <a:avLst/>
+                  </a:prstGeom>
+                  <ask:type>
+                    <ask:lineSketchFreehand/>
+                  </ask:type>
+                </ask:lineSketchStyleProps>
+              </a:ext>
+            </a:extLst>
+          </a:ln>
+        </p:spPr>
+        <p:style>
+          <a:lnRef idx="2">
+            <a:schemeClr val="accent1">
+              <a:shade val="50000"/>
+            </a:schemeClr>
+          </a:lnRef>
+          <a:fillRef idx="1">
+            <a:schemeClr val="accent1"/>
+          </a:fillRef>
+          <a:effectRef idx="0">
+            <a:schemeClr val="accent1"/>
+          </a:effectRef>
+          <a:fontRef idx="minor">
+            <a:schemeClr val="lt1"/>
+          </a:fontRef>
+        </p:style>
+        <p:txBody>
+          <a:bodyPr rtlCol="0" anchor="ctr"/>
+          <a:lstStyle/>
+          <a:p>
+            <a:pPr algn="ctr"/>
+            <a:endParaRPr lang="en-US"/>
+          </a:p>
+        </p:txBody>
+      </p:sp>
+      <p:pic>
+        <p:nvPicPr>
+          <p:cNvPr id="5" name="Segnaposto contenuto 4" descr="Immagine che contiene schermata, testo, diagramma, design&#10;&#10;Descrizione generata automaticamente">
+            <a:extLst>
+              <a:ext uri="{FF2B5EF4-FFF2-40B4-BE49-F238E27FC236}">
+                <a16:creationId xmlns:a16="http://schemas.microsoft.com/office/drawing/2014/main" id="{DDF122E2-DBA3-B974-1896-5CD44D939006}"/>
+              </a:ext>
+            </a:extLst>
+          </p:cNvPr>
+          <p:cNvPicPr>
+            <a:picLocks noGrp="1" noChangeAspect="1"/>
+          </p:cNvPicPr>
+          <p:nvPr>
+            <p:ph idx="1"/>
+          </p:nvPr>
+        </p:nvPicPr>
+        <p:blipFill>
+          <a:blip r:embed="rId2"/>
+          <a:stretch>
+            <a:fillRect/>
+          </a:stretch>
+        </p:blipFill>
+        <p:spPr>
+          <a:xfrm>
+            <a:off x="2529665" y="736215"/>
+            <a:ext cx="9206099" cy="5385569"/>
+          </a:xfrm>
+          <a:prstGeom prst="rect">
+            <a:avLst/>
+          </a:prstGeom>
+        </p:spPr>
+      </p:pic>
+    </p:spTree>
+    <p:extLst>
+      <p:ext uri="{BB962C8B-B14F-4D97-AF65-F5344CB8AC3E}">
+        <p14:creationId xmlns:p14="http://schemas.microsoft.com/office/powerpoint/2010/main" val="3629628740"/>
+      </p:ext>
+    </p:extLst>
+  </p:cSld>
+  <p:clrMapOvr>
+    <a:masterClrMapping/>
+  </p:clrMapOvr>
+</p:sld>
+</file>
+
+<file path=ppt/slides/slide9.xml><?xml version="1.0" encoding="utf-8"?>
+<p:sld xmlns:a="http://schemas.openxmlformats.org/drawingml/2006/main" xmlns:r="http://schemas.openxmlformats.org/officeDocument/2006/relationships" xmlns:p="http://schemas.openxmlformats.org/presentationml/2006/main">
+  <p:cSld>
+    <p:bg>
+      <p:bgPr>
+        <a:solidFill>
+          <a:schemeClr val="bg1"/>
+        </a:solidFill>
+        <a:effectLst/>
+      </p:bgPr>
+    </p:bg>
+    <p:spTree>
+      <p:nvGrpSpPr>
+        <p:cNvPr id="1" name=""/>
+        <p:cNvGrpSpPr/>
+        <p:nvPr/>
+      </p:nvGrpSpPr>
+      <p:grpSpPr>
+        <a:xfrm>
+          <a:off x="0" y="0"/>
+          <a:ext cx="0" cy="0"/>
+          <a:chOff x="0" y="0"/>
+          <a:chExt cx="0" cy="0"/>
+        </a:xfrm>
+      </p:grpSpPr>
+      <p:sp useBgFill="1">
+        <p:nvSpPr>
+          <p:cNvPr id="10" name="Rectangle 9">
+            <a:extLst>
+              <a:ext uri="{FF2B5EF4-FFF2-40B4-BE49-F238E27FC236}">
+                <a16:creationId xmlns:a16="http://schemas.microsoft.com/office/drawing/2014/main" id="{665DBBEF-238B-476B-96AB-8AAC3224ECEA}"/>
+              </a:ext>
+              <a:ext uri="{C183D7F6-B498-43B3-948B-1728B52AA6E4}">
+                <adec:decorative xmlns:adec="http://schemas.microsoft.com/office/drawing/2017/decorative" val="1"/>
+              </a:ext>
+            </a:extLst>
+          </p:cNvPr>
+          <p:cNvSpPr>
+            <a:spLocks noGrp="1" noRot="1" noChangeAspect="1" noMove="1" noResize="1" noEditPoints="1" noAdjustHandles="1" noChangeArrowheads="1" noChangeShapeType="1" noTextEdit="1"/>
+          </p:cNvSpPr>
+          <p:nvPr>
+            <p:extLst>
+              <p:ext uri="{386F3935-93C4-4BCD-93E2-E3B085C9AB24}">
+                <p16:designElem xmlns:p16="http://schemas.microsoft.com/office/powerpoint/2015/main" val="1"/>
+              </p:ext>
+            </p:extLst>
+          </p:nvPr>
+        </p:nvSpPr>
+        <p:spPr>
+          <a:xfrm>
+            <a:off x="0" y="0"/>
+            <a:ext cx="12192000" cy="6858000"/>
+          </a:xfrm>
+          <a:prstGeom prst="rect">
+            <a:avLst/>
+          </a:prstGeom>
+          <a:ln>
+            <a:noFill/>
+          </a:ln>
+        </p:spPr>
+        <p:style>
+          <a:lnRef idx="2">
+            <a:schemeClr val="accent1">
+              <a:shade val="50000"/>
+            </a:schemeClr>
+          </a:lnRef>
+          <a:fillRef idx="1">
+            <a:schemeClr val="accent1"/>
+          </a:fillRef>
+          <a:effectRef idx="0">
+            <a:schemeClr val="accent1"/>
+          </a:effectRef>
+          <a:fontRef idx="minor">
+            <a:schemeClr val="lt1"/>
+          </a:fontRef>
+        </p:style>
+        <p:txBody>
+          <a:bodyPr rtlCol="0" anchor="ctr"/>
+          <a:lstStyle/>
+          <a:p>
+            <a:pPr algn="ctr"/>
+            <a:endParaRPr lang="en-US"/>
+          </a:p>
+        </p:txBody>
+      </p:sp>
+      <p:sp>
+        <p:nvSpPr>
+          <p:cNvPr id="2" name="Titolo 1">
+            <a:extLst>
+              <a:ext uri="{FF2B5EF4-FFF2-40B4-BE49-F238E27FC236}">
+                <a16:creationId xmlns:a16="http://schemas.microsoft.com/office/drawing/2014/main" id="{58FF2634-CF42-7E96-0496-83466CD8FB9F}"/>
+              </a:ext>
+            </a:extLst>
+          </p:cNvPr>
+          <p:cNvSpPr>
+            <a:spLocks noGrp="1"/>
+          </p:cNvSpPr>
+          <p:nvPr>
+            <p:ph type="title"/>
+          </p:nvPr>
+        </p:nvSpPr>
+        <p:spPr>
+          <a:xfrm>
+            <a:off x="638882" y="639193"/>
+            <a:ext cx="3571810" cy="3573516"/>
+          </a:xfrm>
+        </p:spPr>
+        <p:txBody>
+          <a:bodyPr vert="horz" lIns="91440" tIns="45720" rIns="91440" bIns="45720" rtlCol="0" anchor="b">
+            <a:normAutofit/>
+          </a:bodyPr>
+          <a:lstStyle/>
+          <a:p>
+            <a:r>
+              <a:rPr lang="en-US" sz="3600" kern="1200">
+                <a:solidFill>
+                  <a:schemeClr val="tx1"/>
+                </a:solidFill>
+                <a:latin typeface="+mj-lt"/>
+                <a:ea typeface="+mj-ea"/>
+                <a:cs typeface="+mj-cs"/>
+              </a:rPr>
+              <a:t>SEQUENCE DIAGRAM-downloadClassUT</a:t>
+            </a:r>
+          </a:p>
+        </p:txBody>
+      </p:sp>
+      <p:sp>
+        <p:nvSpPr>
+          <p:cNvPr id="12" name="sketch line">
+            <a:extLst>
+              <a:ext uri="{FF2B5EF4-FFF2-40B4-BE49-F238E27FC236}">
+                <a16:creationId xmlns:a16="http://schemas.microsoft.com/office/drawing/2014/main" id="{3FCFB1DE-0B7E-48CC-BA90-B2AB0889F9D6}"/>
+              </a:ext>
+              <a:ext uri="{C183D7F6-B498-43B3-948B-1728B52AA6E4}">
+                <adec:decorative xmlns:adec="http://schemas.microsoft.com/office/drawing/2017/decorative" val="1"/>
+              </a:ext>
+            </a:extLst>
+          </p:cNvPr>
+          <p:cNvSpPr>
+            <a:spLocks noGrp="1" noRot="1" noChangeAspect="1" noMove="1" noResize="1" noEditPoints="1" noAdjustHandles="1" noChangeArrowheads="1" noChangeShapeType="1" noTextEdit="1"/>
+          </p:cNvSpPr>
+          <p:nvPr>
+            <p:extLst>
+              <p:ext uri="{386F3935-93C4-4BCD-93E2-E3B085C9AB24}">
+                <p16:designElem xmlns:p16="http://schemas.microsoft.com/office/powerpoint/2015/main" val="1"/>
+              </p:ext>
+            </p:extLst>
+          </p:nvPr>
+        </p:nvSpPr>
+        <p:spPr>
+          <a:xfrm>
+            <a:off x="643278" y="4409267"/>
+            <a:ext cx="3255095" cy="18288"/>
+          </a:xfrm>
+          <a:custGeom>
+            <a:avLst/>
+            <a:gdLst>
+              <a:gd name="connsiteX0" fmla="*/ 0 w 3255095"/>
+              <a:gd name="connsiteY0" fmla="*/ 0 h 18288"/>
+              <a:gd name="connsiteX1" fmla="*/ 618468 w 3255095"/>
+              <a:gd name="connsiteY1" fmla="*/ 0 h 18288"/>
+              <a:gd name="connsiteX2" fmla="*/ 1269487 w 3255095"/>
+              <a:gd name="connsiteY2" fmla="*/ 0 h 18288"/>
+              <a:gd name="connsiteX3" fmla="*/ 1953057 w 3255095"/>
+              <a:gd name="connsiteY3" fmla="*/ 0 h 18288"/>
+              <a:gd name="connsiteX4" fmla="*/ 2636627 w 3255095"/>
+              <a:gd name="connsiteY4" fmla="*/ 0 h 18288"/>
+              <a:gd name="connsiteX5" fmla="*/ 3255095 w 3255095"/>
+              <a:gd name="connsiteY5" fmla="*/ 0 h 18288"/>
+              <a:gd name="connsiteX6" fmla="*/ 3255095 w 3255095"/>
+              <a:gd name="connsiteY6" fmla="*/ 18288 h 18288"/>
+              <a:gd name="connsiteX7" fmla="*/ 2538974 w 3255095"/>
+              <a:gd name="connsiteY7" fmla="*/ 18288 h 18288"/>
+              <a:gd name="connsiteX8" fmla="*/ 1822853 w 3255095"/>
+              <a:gd name="connsiteY8" fmla="*/ 18288 h 18288"/>
+              <a:gd name="connsiteX9" fmla="*/ 1171834 w 3255095"/>
+              <a:gd name="connsiteY9" fmla="*/ 18288 h 18288"/>
+              <a:gd name="connsiteX10" fmla="*/ 0 w 3255095"/>
+              <a:gd name="connsiteY10" fmla="*/ 18288 h 18288"/>
+              <a:gd name="connsiteX11" fmla="*/ 0 w 3255095"/>
+              <a:gd name="connsiteY11" fmla="*/ 0 h 18288"/>
+            </a:gdLst>
+            <a:ahLst/>
+            <a:cxnLst>
+              <a:cxn ang="0">
+                <a:pos x="connsiteX0" y="connsiteY0"/>
+              </a:cxn>
+              <a:cxn ang="0">
+                <a:pos x="connsiteX1" y="connsiteY1"/>
+              </a:cxn>
+              <a:cxn ang="0">
+                <a:pos x="connsiteX2" y="connsiteY2"/>
+              </a:cxn>
+              <a:cxn ang="0">
+                <a:pos x="connsiteX3" y="connsiteY3"/>
+              </a:cxn>
+              <a:cxn ang="0">
+                <a:pos x="connsiteX4" y="connsiteY4"/>
+              </a:cxn>
+              <a:cxn ang="0">
+                <a:pos x="connsiteX5" y="connsiteY5"/>
+              </a:cxn>
+              <a:cxn ang="0">
+                <a:pos x="connsiteX6" y="connsiteY6"/>
+              </a:cxn>
+              <a:cxn ang="0">
+                <a:pos x="connsiteX7" y="connsiteY7"/>
+              </a:cxn>
+              <a:cxn ang="0">
+                <a:pos x="connsiteX8" y="connsiteY8"/>
+              </a:cxn>
+              <a:cxn ang="0">
+                <a:pos x="connsiteX9" y="connsiteY9"/>
+              </a:cxn>
+              <a:cxn ang="0">
+                <a:pos x="connsiteX10" y="connsiteY10"/>
+              </a:cxn>
+              <a:cxn ang="0">
+                <a:pos x="connsiteX11" y="connsiteY11"/>
+              </a:cxn>
+            </a:cxnLst>
+            <a:rect l="l" t="t" r="r" b="b"/>
+            <a:pathLst>
+              <a:path w="3255095" h="18288" fill="none" extrusionOk="0">
+                <a:moveTo>
+                  <a:pt x="0" y="0"/>
+                </a:moveTo>
+                <a:cubicBezTo>
+                  <a:pt x="240201" y="-22123"/>
+                  <a:pt x="462021" y="-19623"/>
+                  <a:pt x="618468" y="0"/>
+                </a:cubicBezTo>
+                <a:cubicBezTo>
+                  <a:pt x="774915" y="19623"/>
+                  <a:pt x="974734" y="2035"/>
+                  <a:pt x="1269487" y="0"/>
+                </a:cubicBezTo>
+                <a:cubicBezTo>
+                  <a:pt x="1564240" y="-2035"/>
+                  <a:pt x="1733579" y="10639"/>
+                  <a:pt x="1953057" y="0"/>
+                </a:cubicBezTo>
+                <a:cubicBezTo>
+                  <a:pt x="2172535" y="-10639"/>
+                  <a:pt x="2453962" y="14018"/>
+                  <a:pt x="2636627" y="0"/>
+                </a:cubicBezTo>
+                <a:cubicBezTo>
+                  <a:pt x="2819292" y="-14018"/>
+                  <a:pt x="3121375" y="5399"/>
+                  <a:pt x="3255095" y="0"/>
+                </a:cubicBezTo>
+                <a:cubicBezTo>
+                  <a:pt x="3254386" y="8157"/>
+                  <a:pt x="3254682" y="12125"/>
+                  <a:pt x="3255095" y="18288"/>
+                </a:cubicBezTo>
+                <a:cubicBezTo>
+                  <a:pt x="3088545" y="23203"/>
+                  <a:pt x="2687475" y="7419"/>
+                  <a:pt x="2538974" y="18288"/>
+                </a:cubicBezTo>
+                <a:cubicBezTo>
+                  <a:pt x="2390473" y="29157"/>
+                  <a:pt x="2137381" y="-8959"/>
+                  <a:pt x="1822853" y="18288"/>
+                </a:cubicBezTo>
+                <a:cubicBezTo>
+                  <a:pt x="1508325" y="45535"/>
+                  <a:pt x="1466437" y="20385"/>
+                  <a:pt x="1171834" y="18288"/>
+                </a:cubicBezTo>
+                <a:cubicBezTo>
+                  <a:pt x="877231" y="16191"/>
+                  <a:pt x="561097" y="37643"/>
+                  <a:pt x="0" y="18288"/>
+                </a:cubicBezTo>
+                <a:cubicBezTo>
+                  <a:pt x="-46" y="12483"/>
+                  <a:pt x="-203" y="6491"/>
+                  <a:pt x="0" y="0"/>
+                </a:cubicBezTo>
+                <a:close/>
+              </a:path>
+              <a:path w="3255095" h="18288" stroke="0" extrusionOk="0">
+                <a:moveTo>
+                  <a:pt x="0" y="0"/>
+                </a:moveTo>
+                <a:cubicBezTo>
+                  <a:pt x="291965" y="19429"/>
+                  <a:pt x="363155" y="8568"/>
+                  <a:pt x="618468" y="0"/>
+                </a:cubicBezTo>
+                <a:cubicBezTo>
+                  <a:pt x="873781" y="-8568"/>
+                  <a:pt x="904459" y="-19505"/>
+                  <a:pt x="1171834" y="0"/>
+                </a:cubicBezTo>
+                <a:cubicBezTo>
+                  <a:pt x="1439209" y="19505"/>
+                  <a:pt x="1744369" y="9790"/>
+                  <a:pt x="1887955" y="0"/>
+                </a:cubicBezTo>
+                <a:cubicBezTo>
+                  <a:pt x="2031541" y="-9790"/>
+                  <a:pt x="2346378" y="21240"/>
+                  <a:pt x="2506423" y="0"/>
+                </a:cubicBezTo>
+                <a:cubicBezTo>
+                  <a:pt x="2666468" y="-21240"/>
+                  <a:pt x="2990257" y="30414"/>
+                  <a:pt x="3255095" y="0"/>
+                </a:cubicBezTo>
+                <a:cubicBezTo>
+                  <a:pt x="3254831" y="4493"/>
+                  <a:pt x="3255479" y="9472"/>
+                  <a:pt x="3255095" y="18288"/>
+                </a:cubicBezTo>
+                <a:cubicBezTo>
+                  <a:pt x="3120743" y="16690"/>
+                  <a:pt x="2759628" y="42462"/>
+                  <a:pt x="2604076" y="18288"/>
+                </a:cubicBezTo>
+                <a:cubicBezTo>
+                  <a:pt x="2448524" y="-5886"/>
+                  <a:pt x="2184336" y="19599"/>
+                  <a:pt x="1887955" y="18288"/>
+                </a:cubicBezTo>
+                <a:cubicBezTo>
+                  <a:pt x="1591574" y="16977"/>
+                  <a:pt x="1548845" y="6870"/>
+                  <a:pt x="1334589" y="18288"/>
+                </a:cubicBezTo>
+                <a:cubicBezTo>
+                  <a:pt x="1120333" y="29706"/>
+                  <a:pt x="996014" y="9662"/>
+                  <a:pt x="683570" y="18288"/>
+                </a:cubicBezTo>
+                <a:cubicBezTo>
+                  <a:pt x="371126" y="26914"/>
+                  <a:pt x="198687" y="16167"/>
+                  <a:pt x="0" y="18288"/>
+                </a:cubicBezTo>
+                <a:cubicBezTo>
+                  <a:pt x="843" y="9577"/>
+                  <a:pt x="371" y="6900"/>
+                  <a:pt x="0" y="0"/>
+                </a:cubicBezTo>
+                <a:close/>
+              </a:path>
+            </a:pathLst>
+          </a:custGeom>
+          <a:solidFill>
+            <a:schemeClr val="accent2"/>
+          </a:solidFill>
+          <a:ln w="38100" cap="rnd">
+            <a:solidFill>
+              <a:schemeClr val="accent2"/>
+            </a:solidFill>
+            <a:round/>
+            <a:extLst>
+              <a:ext uri="{C807C97D-BFC1-408E-A445-0C87EB9F89A2}">
+                <ask:lineSketchStyleProps xmlns:ask="http://schemas.microsoft.com/office/drawing/2018/sketchyshapes" sd="1219033472">
+                  <a:prstGeom prst="rect">
+                    <a:avLst/>
+                  </a:prstGeom>
+                  <ask:type>
+                    <ask:lineSketchFreehand/>
+                  </ask:type>
+                </ask:lineSketchStyleProps>
+              </a:ext>
+            </a:extLst>
+          </a:ln>
+        </p:spPr>
+        <p:style>
+          <a:lnRef idx="2">
+            <a:schemeClr val="accent1">
+              <a:shade val="50000"/>
+            </a:schemeClr>
+          </a:lnRef>
+          <a:fillRef idx="1">
+            <a:schemeClr val="accent1"/>
+          </a:fillRef>
+          <a:effectRef idx="0">
+            <a:schemeClr val="accent1"/>
+          </a:effectRef>
+          <a:fontRef idx="minor">
+            <a:schemeClr val="lt1"/>
+          </a:fontRef>
+        </p:style>
+        <p:txBody>
+          <a:bodyPr rtlCol="0" anchor="ctr"/>
+          <a:lstStyle/>
+          <a:p>
+            <a:pPr algn="ctr"/>
+            <a:endParaRPr lang="en-US"/>
+          </a:p>
+        </p:txBody>
+      </p:sp>
+      <p:pic>
+        <p:nvPicPr>
+          <p:cNvPr id="5" name="Segnaposto contenuto 4" descr="Immagine che contiene schermata, testo, diagramma&#10;&#10;Descrizione generata automaticamente">
+            <a:extLst>
+              <a:ext uri="{FF2B5EF4-FFF2-40B4-BE49-F238E27FC236}">
+                <a16:creationId xmlns:a16="http://schemas.microsoft.com/office/drawing/2014/main" id="{98823CA0-419B-9430-DCBD-C1DD1E632F9B}"/>
+              </a:ext>
+            </a:extLst>
+          </p:cNvPr>
+          <p:cNvPicPr>
+            <a:picLocks noGrp="1" noChangeAspect="1"/>
+          </p:cNvPicPr>
+          <p:nvPr>
+            <p:ph idx="1"/>
+          </p:nvPr>
+        </p:nvPicPr>
+        <p:blipFill>
+          <a:blip r:embed="rId2"/>
+          <a:stretch>
+            <a:fillRect/>
+          </a:stretch>
+        </p:blipFill>
+        <p:spPr>
+          <a:xfrm>
+            <a:off x="1752699" y="331753"/>
+            <a:ext cx="9796023" cy="5706184"/>
+          </a:xfrm>
+          <a:prstGeom prst="rect">
+            <a:avLst/>
+          </a:prstGeom>
+        </p:spPr>
+      </p:pic>
+    </p:spTree>
+    <p:extLst>
+      <p:ext uri="{BB962C8B-B14F-4D97-AF65-F5344CB8AC3E}">
+        <p14:creationId xmlns:p14="http://schemas.microsoft.com/office/powerpoint/2010/main" val="1668066357"/>
       </p:ext>
     </p:extLst>
   </p:cSld>
@@ -13336,17 +15340,6 @@
 </file>
 
 <file path=customXml/item2.xml><?xml version="1.0" encoding="utf-8"?>
-<p:properties xmlns:p="http://schemas.microsoft.com/office/2006/metadata/properties" xmlns:xsi="http://www.w3.org/2001/XMLSchema-instance" xmlns:pc="http://schemas.microsoft.com/office/infopath/2007/PartnerControls">
-  <documentManagement>
-    <TaxCatchAll xmlns="df8475ec-9f77-464f-908f-596012f98a9b" xsi:nil="true"/>
-    <lcf76f155ced4ddcb4097134ff3c332f xmlns="9be553eb-d177-4482-9566-6dd1ffbabb3f">
-      <Terms xmlns="http://schemas.microsoft.com/office/infopath/2007/PartnerControls"/>
-    </lcf76f155ced4ddcb4097134ff3c332f>
-  </documentManagement>
-</p:properties>
-</file>
-
-<file path=customXml/item3.xml><?xml version="1.0" encoding="utf-8"?>
 <ct:contentTypeSchema xmlns:ct="http://schemas.microsoft.com/office/2006/metadata/contentType" xmlns:ma="http://schemas.microsoft.com/office/2006/metadata/properties/metaAttributes" ct:_="" ma:_="" ma:contentTypeName="Document" ma:contentTypeID="0x010100C66790BDF40BAA4ABC40891F5D4DB32E" ma:contentTypeVersion="10" ma:contentTypeDescription="Create a new document." ma:contentTypeScope="" ma:versionID="d17f0725577bd39c42504b2dc026f884">
   <xsd:schema xmlns:xsd="http://www.w3.org/2001/XMLSchema" xmlns:xs="http://www.w3.org/2001/XMLSchema" xmlns:p="http://schemas.microsoft.com/office/2006/metadata/properties" xmlns:ns2="9be553eb-d177-4482-9566-6dd1ffbabb3f" xmlns:ns3="df8475ec-9f77-464f-908f-596012f98a9b" targetNamespace="http://schemas.microsoft.com/office/2006/metadata/properties" ma:root="true" ma:fieldsID="fac16ef3d5c57657be9027dc5cb558a9" ns2:_="" ns3:_="">
     <xsd:import namespace="9be553eb-d177-4482-9566-6dd1ffbabb3f"/>
@@ -13535,6 +15528,17 @@
 </ct:contentTypeSchema>
 </file>
 
+<file path=customXml/item3.xml><?xml version="1.0" encoding="utf-8"?>
+<p:properties xmlns:p="http://schemas.microsoft.com/office/2006/metadata/properties" xmlns:xsi="http://www.w3.org/2001/XMLSchema-instance" xmlns:pc="http://schemas.microsoft.com/office/infopath/2007/PartnerControls">
+  <documentManagement>
+    <TaxCatchAll xmlns="df8475ec-9f77-464f-908f-596012f98a9b" xsi:nil="true"/>
+    <lcf76f155ced4ddcb4097134ff3c332f xmlns="9be553eb-d177-4482-9566-6dd1ffbabb3f">
+      <Terms xmlns="http://schemas.microsoft.com/office/infopath/2007/PartnerControls"/>
+    </lcf76f155ced4ddcb4097134ff3c332f>
+  </documentManagement>
+</p:properties>
+</file>
+
 <file path=customXml/itemProps1.xml><?xml version="1.0" encoding="utf-8"?>
 <ds:datastoreItem xmlns:ds="http://schemas.openxmlformats.org/officeDocument/2006/customXml" ds:itemID="{83EE6101-231E-4DF8-8297-9BA81BC961CE}">
   <ds:schemaRefs>
@@ -13544,18 +15548,6 @@
 </file>
 
 <file path=customXml/itemProps2.xml><?xml version="1.0" encoding="utf-8"?>
-<ds:datastoreItem xmlns:ds="http://schemas.openxmlformats.org/officeDocument/2006/customXml" ds:itemID="{EAAA6B91-6885-47ED-9CE0-0D3DDE3DC816}">
-  <ds:schemaRefs>
-    <ds:schemaRef ds:uri="http://schemas.microsoft.com/office/2006/metadata/properties"/>
-    <ds:schemaRef ds:uri="http://schemas.microsoft.com/office/infopath/2007/PartnerControls"/>
-    <ds:schemaRef ds:uri="http://www.w3.org/2000/xmlns/"/>
-    <ds:schemaRef ds:uri="df8475ec-9f77-464f-908f-596012f98a9b"/>
-    <ds:schemaRef ds:uri="9be553eb-d177-4482-9566-6dd1ffbabb3f"/>
-  </ds:schemaRefs>
-</ds:datastoreItem>
-</file>
-
-<file path=customXml/itemProps3.xml><?xml version="1.0" encoding="utf-8"?>
 <ds:datastoreItem xmlns:ds="http://schemas.openxmlformats.org/officeDocument/2006/customXml" ds:itemID="{D0A8BC19-D11E-4A06-A61D-FE3CE6D8AA26}">
   <ds:schemaRefs>
     <ds:schemaRef ds:uri="http://schemas.microsoft.com/office/2006/metadata/contentType"/>
@@ -13572,4 +15564,16 @@
     <ds:schemaRef ds:uri="http://schemas.microsoft.com/internal/obd"/>
   </ds:schemaRefs>
 </ds:datastoreItem>
+</file>
+
+<file path=customXml/itemProps3.xml><?xml version="1.0" encoding="utf-8"?>
+<ds:datastoreItem xmlns:ds="http://schemas.openxmlformats.org/officeDocument/2006/customXml" ds:itemID="{EAAA6B91-6885-47ED-9CE0-0D3DDE3DC816}">
+  <ds:schemaRefs>
+    <ds:schemaRef ds:uri="http://schemas.microsoft.com/office/2006/metadata/properties"/>
+    <ds:schemaRef ds:uri="http://schemas.microsoft.com/office/infopath/2007/PartnerControls"/>
+    <ds:schemaRef ds:uri="http://www.w3.org/2000/xmlns/"/>
+    <ds:schemaRef ds:uri="df8475ec-9f77-464f-908f-596012f98a9b"/>
+    <ds:schemaRef ds:uri="9be553eb-d177-4482-9566-6dd1ffbabb3f"/>
+  </ds:schemaRefs>
+</ds:datastoreItem>
 </file>
--- a/Pres_G20_T1_IT3.pptx
+++ b/Pres_G20_T1_IT3.pptx
@@ -11090,6 +11090,14 @@
 <file path=ppt/slides/slide10.xml><?xml version="1.0" encoding="utf-8"?>
 <p:sld xmlns:a="http://schemas.openxmlformats.org/drawingml/2006/main" xmlns:r="http://schemas.openxmlformats.org/officeDocument/2006/relationships" xmlns:p="http://schemas.openxmlformats.org/presentationml/2006/main">
   <p:cSld>
+    <p:bg>
+      <p:bgPr>
+        <a:solidFill>
+          <a:schemeClr val="bg1"/>
+        </a:solidFill>
+        <a:effectLst/>
+      </p:bgPr>
+    </p:bg>
     <p:spTree>
       <p:nvGrpSpPr>
         <p:cNvPr id="1" name=""/>
@@ -11104,6 +11112,66 @@
           <a:chExt cx="0" cy="0"/>
         </a:xfrm>
       </p:grpSpPr>
+      <p:sp useBgFill="1">
+        <p:nvSpPr>
+          <p:cNvPr id="37" name="Rectangle 39">
+            <a:extLst>
+              <a:ext uri="{FF2B5EF4-FFF2-40B4-BE49-F238E27FC236}">
+                <a16:creationId xmlns:a16="http://schemas.microsoft.com/office/drawing/2014/main" id="{665DBBEF-238B-476B-96AB-8AAC3224ECEA}"/>
+              </a:ext>
+              <a:ext uri="{C183D7F6-B498-43B3-948B-1728B52AA6E4}">
+                <adec:decorative xmlns:adec="http://schemas.microsoft.com/office/drawing/2017/decorative" val="1"/>
+              </a:ext>
+            </a:extLst>
+          </p:cNvPr>
+          <p:cNvSpPr>
+            <a:spLocks noGrp="1" noRot="1" noChangeAspect="1" noMove="1" noResize="1" noEditPoints="1" noAdjustHandles="1" noChangeArrowheads="1" noChangeShapeType="1" noTextEdit="1"/>
+          </p:cNvSpPr>
+          <p:nvPr>
+            <p:extLst>
+              <p:ext uri="{386F3935-93C4-4BCD-93E2-E3B085C9AB24}">
+                <p16:designElem xmlns:p16="http://schemas.microsoft.com/office/powerpoint/2015/main" val="1"/>
+              </p:ext>
+            </p:extLst>
+          </p:nvPr>
+        </p:nvSpPr>
+        <p:spPr>
+          <a:xfrm>
+            <a:off x="0" y="0"/>
+            <a:ext cx="12192000" cy="6858000"/>
+          </a:xfrm>
+          <a:prstGeom prst="rect">
+            <a:avLst/>
+          </a:prstGeom>
+          <a:ln>
+            <a:noFill/>
+          </a:ln>
+        </p:spPr>
+        <p:style>
+          <a:lnRef idx="2">
+            <a:schemeClr val="accent1">
+              <a:shade val="50000"/>
+            </a:schemeClr>
+          </a:lnRef>
+          <a:fillRef idx="1">
+            <a:schemeClr val="accent1"/>
+          </a:fillRef>
+          <a:effectRef idx="0">
+            <a:schemeClr val="accent1"/>
+          </a:effectRef>
+          <a:fontRef idx="minor">
+            <a:schemeClr val="lt1"/>
+          </a:fontRef>
+        </p:style>
+        <p:txBody>
+          <a:bodyPr rtlCol="0" anchor="ctr"/>
+          <a:lstStyle/>
+          <a:p>
+            <a:pPr algn="ctr"/>
+            <a:endParaRPr lang="en-US"/>
+          </a:p>
+        </p:txBody>
+      </p:sp>
       <p:sp>
         <p:nvSpPr>
           <p:cNvPr id="2" name="Titolo 1">
@@ -11120,40 +11188,335 @@
             <p:ph type="title"/>
           </p:nvPr>
         </p:nvSpPr>
-        <p:spPr/>
+        <p:spPr>
+          <a:xfrm>
+            <a:off x="638882" y="639193"/>
+            <a:ext cx="3571810" cy="3573516"/>
+          </a:xfrm>
+        </p:spPr>
         <p:txBody>
-          <a:bodyPr/>
+          <a:bodyPr vert="horz" lIns="91440" tIns="45720" rIns="91440" bIns="45720" rtlCol="0" anchor="b">
+            <a:normAutofit/>
+          </a:bodyPr>
           <a:lstStyle/>
           <a:p>
-            <a:endParaRPr lang="it-IT"/>
+            <a:r>
+              <a:rPr lang="en-US" sz="4600" kern="1200">
+                <a:solidFill>
+                  <a:schemeClr val="tx1"/>
+                </a:solidFill>
+                <a:latin typeface="+mj-lt"/>
+                <a:ea typeface="+mj-ea"/>
+                <a:cs typeface="+mj-cs"/>
+              </a:rPr>
+              <a:t>Interfaccia web per l’upload delle classiUT</a:t>
+            </a:r>
           </a:p>
         </p:txBody>
       </p:sp>
       <p:sp>
         <p:nvSpPr>
-          <p:cNvPr id="3" name="Segnaposto contenuto 2">
+          <p:cNvPr id="38" name="sketch line">
             <a:extLst>
               <a:ext uri="{FF2B5EF4-FFF2-40B4-BE49-F238E27FC236}">
-                <a16:creationId xmlns:a16="http://schemas.microsoft.com/office/drawing/2014/main" id="{D5772A33-6129-0B9B-2BD2-24309AA44CF1}"/>
+                <a16:creationId xmlns:a16="http://schemas.microsoft.com/office/drawing/2014/main" id="{3FCFB1DE-0B7E-48CC-BA90-B2AB0889F9D6}"/>
+              </a:ext>
+              <a:ext uri="{C183D7F6-B498-43B3-948B-1728B52AA6E4}">
+                <adec:decorative xmlns:adec="http://schemas.microsoft.com/office/drawing/2017/decorative" val="1"/>
               </a:ext>
             </a:extLst>
           </p:cNvPr>
           <p:cNvSpPr>
-            <a:spLocks noGrp="1"/>
+            <a:spLocks noGrp="1" noRot="1" noChangeAspect="1" noMove="1" noResize="1" noEditPoints="1" noAdjustHandles="1" noChangeArrowheads="1" noChangeShapeType="1" noTextEdit="1"/>
           </p:cNvSpPr>
           <p:nvPr>
-            <p:ph idx="1"/>
+            <p:extLst>
+              <p:ext uri="{386F3935-93C4-4BCD-93E2-E3B085C9AB24}">
+                <p16:designElem xmlns:p16="http://schemas.microsoft.com/office/powerpoint/2015/main" val="1"/>
+              </p:ext>
+            </p:extLst>
           </p:nvPr>
         </p:nvSpPr>
-        <p:spPr/>
+        <p:spPr>
+          <a:xfrm>
+            <a:off x="643278" y="4409267"/>
+            <a:ext cx="3255095" cy="18288"/>
+          </a:xfrm>
+          <a:custGeom>
+            <a:avLst/>
+            <a:gdLst>
+              <a:gd name="connsiteX0" fmla="*/ 0 w 3255095"/>
+              <a:gd name="connsiteY0" fmla="*/ 0 h 18288"/>
+              <a:gd name="connsiteX1" fmla="*/ 618468 w 3255095"/>
+              <a:gd name="connsiteY1" fmla="*/ 0 h 18288"/>
+              <a:gd name="connsiteX2" fmla="*/ 1269487 w 3255095"/>
+              <a:gd name="connsiteY2" fmla="*/ 0 h 18288"/>
+              <a:gd name="connsiteX3" fmla="*/ 1953057 w 3255095"/>
+              <a:gd name="connsiteY3" fmla="*/ 0 h 18288"/>
+              <a:gd name="connsiteX4" fmla="*/ 2636627 w 3255095"/>
+              <a:gd name="connsiteY4" fmla="*/ 0 h 18288"/>
+              <a:gd name="connsiteX5" fmla="*/ 3255095 w 3255095"/>
+              <a:gd name="connsiteY5" fmla="*/ 0 h 18288"/>
+              <a:gd name="connsiteX6" fmla="*/ 3255095 w 3255095"/>
+              <a:gd name="connsiteY6" fmla="*/ 18288 h 18288"/>
+              <a:gd name="connsiteX7" fmla="*/ 2538974 w 3255095"/>
+              <a:gd name="connsiteY7" fmla="*/ 18288 h 18288"/>
+              <a:gd name="connsiteX8" fmla="*/ 1822853 w 3255095"/>
+              <a:gd name="connsiteY8" fmla="*/ 18288 h 18288"/>
+              <a:gd name="connsiteX9" fmla="*/ 1171834 w 3255095"/>
+              <a:gd name="connsiteY9" fmla="*/ 18288 h 18288"/>
+              <a:gd name="connsiteX10" fmla="*/ 0 w 3255095"/>
+              <a:gd name="connsiteY10" fmla="*/ 18288 h 18288"/>
+              <a:gd name="connsiteX11" fmla="*/ 0 w 3255095"/>
+              <a:gd name="connsiteY11" fmla="*/ 0 h 18288"/>
+            </a:gdLst>
+            <a:ahLst/>
+            <a:cxnLst>
+              <a:cxn ang="0">
+                <a:pos x="connsiteX0" y="connsiteY0"/>
+              </a:cxn>
+              <a:cxn ang="0">
+                <a:pos x="connsiteX1" y="connsiteY1"/>
+              </a:cxn>
+              <a:cxn ang="0">
+                <a:pos x="connsiteX2" y="connsiteY2"/>
+              </a:cxn>
+              <a:cxn ang="0">
+                <a:pos x="connsiteX3" y="connsiteY3"/>
+              </a:cxn>
+              <a:cxn ang="0">
+                <a:pos x="connsiteX4" y="connsiteY4"/>
+              </a:cxn>
+              <a:cxn ang="0">
+                <a:pos x="connsiteX5" y="connsiteY5"/>
+              </a:cxn>
+              <a:cxn ang="0">
+                <a:pos x="connsiteX6" y="connsiteY6"/>
+              </a:cxn>
+              <a:cxn ang="0">
+                <a:pos x="connsiteX7" y="connsiteY7"/>
+              </a:cxn>
+              <a:cxn ang="0">
+                <a:pos x="connsiteX8" y="connsiteY8"/>
+              </a:cxn>
+              <a:cxn ang="0">
+                <a:pos x="connsiteX9" y="connsiteY9"/>
+              </a:cxn>
+              <a:cxn ang="0">
+                <a:pos x="connsiteX10" y="connsiteY10"/>
+              </a:cxn>
+              <a:cxn ang="0">
+                <a:pos x="connsiteX11" y="connsiteY11"/>
+              </a:cxn>
+            </a:cxnLst>
+            <a:rect l="l" t="t" r="r" b="b"/>
+            <a:pathLst>
+              <a:path w="3255095" h="18288" fill="none" extrusionOk="0">
+                <a:moveTo>
+                  <a:pt x="0" y="0"/>
+                </a:moveTo>
+                <a:cubicBezTo>
+                  <a:pt x="240201" y="-22123"/>
+                  <a:pt x="462021" y="-19623"/>
+                  <a:pt x="618468" y="0"/>
+                </a:cubicBezTo>
+                <a:cubicBezTo>
+                  <a:pt x="774915" y="19623"/>
+                  <a:pt x="974734" y="2035"/>
+                  <a:pt x="1269487" y="0"/>
+                </a:cubicBezTo>
+                <a:cubicBezTo>
+                  <a:pt x="1564240" y="-2035"/>
+                  <a:pt x="1733579" y="10639"/>
+                  <a:pt x="1953057" y="0"/>
+                </a:cubicBezTo>
+                <a:cubicBezTo>
+                  <a:pt x="2172535" y="-10639"/>
+                  <a:pt x="2453962" y="14018"/>
+                  <a:pt x="2636627" y="0"/>
+                </a:cubicBezTo>
+                <a:cubicBezTo>
+                  <a:pt x="2819292" y="-14018"/>
+                  <a:pt x="3121375" y="5399"/>
+                  <a:pt x="3255095" y="0"/>
+                </a:cubicBezTo>
+                <a:cubicBezTo>
+                  <a:pt x="3254386" y="8157"/>
+                  <a:pt x="3254682" y="12125"/>
+                  <a:pt x="3255095" y="18288"/>
+                </a:cubicBezTo>
+                <a:cubicBezTo>
+                  <a:pt x="3088545" y="23203"/>
+                  <a:pt x="2687475" y="7419"/>
+                  <a:pt x="2538974" y="18288"/>
+                </a:cubicBezTo>
+                <a:cubicBezTo>
+                  <a:pt x="2390473" y="29157"/>
+                  <a:pt x="2137381" y="-8959"/>
+                  <a:pt x="1822853" y="18288"/>
+                </a:cubicBezTo>
+                <a:cubicBezTo>
+                  <a:pt x="1508325" y="45535"/>
+                  <a:pt x="1466437" y="20385"/>
+                  <a:pt x="1171834" y="18288"/>
+                </a:cubicBezTo>
+                <a:cubicBezTo>
+                  <a:pt x="877231" y="16191"/>
+                  <a:pt x="561097" y="37643"/>
+                  <a:pt x="0" y="18288"/>
+                </a:cubicBezTo>
+                <a:cubicBezTo>
+                  <a:pt x="-46" y="12483"/>
+                  <a:pt x="-203" y="6491"/>
+                  <a:pt x="0" y="0"/>
+                </a:cubicBezTo>
+                <a:close/>
+              </a:path>
+              <a:path w="3255095" h="18288" stroke="0" extrusionOk="0">
+                <a:moveTo>
+                  <a:pt x="0" y="0"/>
+                </a:moveTo>
+                <a:cubicBezTo>
+                  <a:pt x="291965" y="19429"/>
+                  <a:pt x="363155" y="8568"/>
+                  <a:pt x="618468" y="0"/>
+                </a:cubicBezTo>
+                <a:cubicBezTo>
+                  <a:pt x="873781" y="-8568"/>
+                  <a:pt x="904459" y="-19505"/>
+                  <a:pt x="1171834" y="0"/>
+                </a:cubicBezTo>
+                <a:cubicBezTo>
+                  <a:pt x="1439209" y="19505"/>
+                  <a:pt x="1744369" y="9790"/>
+                  <a:pt x="1887955" y="0"/>
+                </a:cubicBezTo>
+                <a:cubicBezTo>
+                  <a:pt x="2031541" y="-9790"/>
+                  <a:pt x="2346378" y="21240"/>
+                  <a:pt x="2506423" y="0"/>
+                </a:cubicBezTo>
+                <a:cubicBezTo>
+                  <a:pt x="2666468" y="-21240"/>
+                  <a:pt x="2990257" y="30414"/>
+                  <a:pt x="3255095" y="0"/>
+                </a:cubicBezTo>
+                <a:cubicBezTo>
+                  <a:pt x="3254831" y="4493"/>
+                  <a:pt x="3255479" y="9472"/>
+                  <a:pt x="3255095" y="18288"/>
+                </a:cubicBezTo>
+                <a:cubicBezTo>
+                  <a:pt x="3120743" y="16690"/>
+                  <a:pt x="2759628" y="42462"/>
+                  <a:pt x="2604076" y="18288"/>
+                </a:cubicBezTo>
+                <a:cubicBezTo>
+                  <a:pt x="2448524" y="-5886"/>
+                  <a:pt x="2184336" y="19599"/>
+                  <a:pt x="1887955" y="18288"/>
+                </a:cubicBezTo>
+                <a:cubicBezTo>
+                  <a:pt x="1591574" y="16977"/>
+                  <a:pt x="1548845" y="6870"/>
+                  <a:pt x="1334589" y="18288"/>
+                </a:cubicBezTo>
+                <a:cubicBezTo>
+                  <a:pt x="1120333" y="29706"/>
+                  <a:pt x="996014" y="9662"/>
+                  <a:pt x="683570" y="18288"/>
+                </a:cubicBezTo>
+                <a:cubicBezTo>
+                  <a:pt x="371126" y="26914"/>
+                  <a:pt x="198687" y="16167"/>
+                  <a:pt x="0" y="18288"/>
+                </a:cubicBezTo>
+                <a:cubicBezTo>
+                  <a:pt x="843" y="9577"/>
+                  <a:pt x="371" y="6900"/>
+                  <a:pt x="0" y="0"/>
+                </a:cubicBezTo>
+                <a:close/>
+              </a:path>
+            </a:pathLst>
+          </a:custGeom>
+          <a:solidFill>
+            <a:schemeClr val="accent2"/>
+          </a:solidFill>
+          <a:ln w="38100" cap="rnd">
+            <a:solidFill>
+              <a:schemeClr val="accent2"/>
+            </a:solidFill>
+            <a:round/>
+            <a:extLst>
+              <a:ext uri="{C807C97D-BFC1-408E-A445-0C87EB9F89A2}">
+                <ask:lineSketchStyleProps xmlns:ask="http://schemas.microsoft.com/office/drawing/2018/sketchyshapes" sd="1219033472">
+                  <a:prstGeom prst="rect">
+                    <a:avLst/>
+                  </a:prstGeom>
+                  <ask:type>
+                    <ask:lineSketchFreehand/>
+                  </ask:type>
+                </ask:lineSketchStyleProps>
+              </a:ext>
+            </a:extLst>
+          </a:ln>
+        </p:spPr>
+        <p:style>
+          <a:lnRef idx="2">
+            <a:schemeClr val="accent1">
+              <a:shade val="50000"/>
+            </a:schemeClr>
+          </a:lnRef>
+          <a:fillRef idx="1">
+            <a:schemeClr val="accent1"/>
+          </a:fillRef>
+          <a:effectRef idx="0">
+            <a:schemeClr val="accent1"/>
+          </a:effectRef>
+          <a:fontRef idx="minor">
+            <a:schemeClr val="lt1"/>
+          </a:fontRef>
+        </p:style>
         <p:txBody>
-          <a:bodyPr/>
+          <a:bodyPr rtlCol="0" anchor="ctr"/>
           <a:lstStyle/>
           <a:p>
-            <a:endParaRPr lang="it-IT"/>
+            <a:pPr algn="ctr"/>
+            <a:endParaRPr lang="en-US"/>
           </a:p>
         </p:txBody>
       </p:sp>
+      <p:pic>
+        <p:nvPicPr>
+          <p:cNvPr id="30" name="Immagine 29">
+            <a:extLst>
+              <a:ext uri="{FF2B5EF4-FFF2-40B4-BE49-F238E27FC236}">
+                <a16:creationId xmlns:a16="http://schemas.microsoft.com/office/drawing/2014/main" id="{0D8402D2-6A9A-5285-C4F1-DBDCE9A5FAC0}"/>
+              </a:ext>
+            </a:extLst>
+          </p:cNvPr>
+          <p:cNvPicPr>
+            <a:picLocks noChangeAspect="1"/>
+          </p:cNvPicPr>
+          <p:nvPr/>
+        </p:nvPicPr>
+        <p:blipFill>
+          <a:blip r:embed="rId2"/>
+          <a:stretch>
+            <a:fillRect/>
+          </a:stretch>
+        </p:blipFill>
+        <p:spPr>
+          <a:xfrm>
+            <a:off x="4654296" y="1801014"/>
+            <a:ext cx="7214616" cy="3228540"/>
+          </a:xfrm>
+          <a:prstGeom prst="rect">
+            <a:avLst/>
+          </a:prstGeom>
+        </p:spPr>
+      </p:pic>
     </p:spTree>
     <p:extLst>
       <p:ext uri="{BB962C8B-B14F-4D97-AF65-F5344CB8AC3E}">
@@ -12884,7 +13247,7 @@
           <a:lstStyle/>
           <a:p>
             <a:r>
-              <a:rPr lang="it-IT" sz="4600"/>
+              <a:rPr lang="it-IT" sz="4600" dirty="0"/>
               <a:t>COMPONENT DIAGRAM</a:t>
             </a:r>
           </a:p>
@@ -13964,7 +14327,7 @@
           <a:lstStyle/>
           <a:p>
             <a:r>
-              <a:rPr lang="en-US" sz="4100" kern="1200">
+              <a:rPr lang="en-US" sz="4100" kern="1200" dirty="0">
                 <a:solidFill>
                   <a:schemeClr val="tx1"/>
                 </a:solidFill>
@@ -13972,8 +14335,27 @@
                 <a:ea typeface="+mj-ea"/>
                 <a:cs typeface="+mj-cs"/>
               </a:rPr>
-              <a:t>SEQUENCE DIAGRAM - uploadClassUT</a:t>
+              <a:t>SEQUENCE DIAGRAM - </a:t>
             </a:r>
+            <a:r>
+              <a:rPr lang="en-US" sz="4100" kern="1200" dirty="0" err="1">
+                <a:solidFill>
+                  <a:schemeClr val="tx1"/>
+                </a:solidFill>
+                <a:latin typeface="+mj-lt"/>
+                <a:ea typeface="+mj-ea"/>
+                <a:cs typeface="+mj-cs"/>
+              </a:rPr>
+              <a:t>uploadClassUT</a:t>
+            </a:r>
+            <a:endParaRPr lang="en-US" sz="4100" kern="1200" dirty="0">
+              <a:solidFill>
+                <a:schemeClr val="tx1"/>
+              </a:solidFill>
+              <a:latin typeface="+mj-lt"/>
+              <a:ea typeface="+mj-ea"/>
+              <a:cs typeface="+mj-cs"/>
+            </a:endParaRPr>
           </a:p>
         </p:txBody>
       </p:sp>
@@ -14409,7 +14791,7 @@
           <a:lstStyle/>
           <a:p>
             <a:r>
-              <a:rPr lang="en-US" sz="3600" kern="1200">
+              <a:rPr lang="en-US" sz="3600" kern="1200" dirty="0">
                 <a:solidFill>
                   <a:schemeClr val="tx1"/>
                 </a:solidFill>
@@ -14417,8 +14799,27 @@
                 <a:ea typeface="+mj-ea"/>
                 <a:cs typeface="+mj-cs"/>
               </a:rPr>
-              <a:t>SEQUENCE DIAGRAM-downloadClassUT</a:t>
+              <a:t>SEQUENCE DIAGRAM-</a:t>
             </a:r>
+            <a:r>
+              <a:rPr lang="en-US" sz="3600" kern="1200" dirty="0" err="1">
+                <a:solidFill>
+                  <a:schemeClr val="tx1"/>
+                </a:solidFill>
+                <a:latin typeface="+mj-lt"/>
+                <a:ea typeface="+mj-ea"/>
+                <a:cs typeface="+mj-cs"/>
+              </a:rPr>
+              <a:t>downloadClassUT</a:t>
+            </a:r>
+            <a:endParaRPr lang="en-US" sz="3600" kern="1200" dirty="0">
+              <a:solidFill>
+                <a:schemeClr val="tx1"/>
+              </a:solidFill>
+              <a:latin typeface="+mj-lt"/>
+              <a:ea typeface="+mj-ea"/>
+              <a:cs typeface="+mj-cs"/>
+            </a:endParaRPr>
           </a:p>
         </p:txBody>
       </p:sp>
@@ -15331,15 +15732,6 @@
 </file>
 
 <file path=customXml/item1.xml><?xml version="1.0" encoding="utf-8"?>
-<?mso-contentType ?>
-<FormTemplates xmlns="http://schemas.microsoft.com/sharepoint/v3/contenttype/forms">
-  <Display>DocumentLibraryForm</Display>
-  <Edit>DocumentLibraryForm</Edit>
-  <New>DocumentLibraryForm</New>
-</FormTemplates>
-</file>
-
-<file path=customXml/item2.xml><?xml version="1.0" encoding="utf-8"?>
 <ct:contentTypeSchema xmlns:ct="http://schemas.microsoft.com/office/2006/metadata/contentType" xmlns:ma="http://schemas.microsoft.com/office/2006/metadata/properties/metaAttributes" ct:_="" ma:_="" ma:contentTypeName="Document" ma:contentTypeID="0x010100C66790BDF40BAA4ABC40891F5D4DB32E" ma:contentTypeVersion="10" ma:contentTypeDescription="Create a new document." ma:contentTypeScope="" ma:versionID="d17f0725577bd39c42504b2dc026f884">
   <xsd:schema xmlns:xsd="http://www.w3.org/2001/XMLSchema" xmlns:xs="http://www.w3.org/2001/XMLSchema" xmlns:p="http://schemas.microsoft.com/office/2006/metadata/properties" xmlns:ns2="9be553eb-d177-4482-9566-6dd1ffbabb3f" xmlns:ns3="df8475ec-9f77-464f-908f-596012f98a9b" targetNamespace="http://schemas.microsoft.com/office/2006/metadata/properties" ma:root="true" ma:fieldsID="fac16ef3d5c57657be9027dc5cb558a9" ns2:_="" ns3:_="">
     <xsd:import namespace="9be553eb-d177-4482-9566-6dd1ffbabb3f"/>
@@ -15528,6 +15920,15 @@
 </ct:contentTypeSchema>
 </file>
 
+<file path=customXml/item2.xml><?xml version="1.0" encoding="utf-8"?>
+<?mso-contentType ?>
+<FormTemplates xmlns="http://schemas.microsoft.com/sharepoint/v3/contenttype/forms">
+  <Display>DocumentLibraryForm</Display>
+  <Edit>DocumentLibraryForm</Edit>
+  <New>DocumentLibraryForm</New>
+</FormTemplates>
+</file>
+
 <file path=customXml/item3.xml><?xml version="1.0" encoding="utf-8"?>
 <p:properties xmlns:p="http://schemas.microsoft.com/office/2006/metadata/properties" xmlns:xsi="http://www.w3.org/2001/XMLSchema-instance" xmlns:pc="http://schemas.microsoft.com/office/infopath/2007/PartnerControls">
   <documentManagement>
@@ -15540,14 +15941,6 @@
 </file>
 
 <file path=customXml/itemProps1.xml><?xml version="1.0" encoding="utf-8"?>
-<ds:datastoreItem xmlns:ds="http://schemas.openxmlformats.org/officeDocument/2006/customXml" ds:itemID="{83EE6101-231E-4DF8-8297-9BA81BC961CE}">
-  <ds:schemaRefs>
-    <ds:schemaRef ds:uri="http://schemas.microsoft.com/sharepoint/v3/contenttype/forms"/>
-  </ds:schemaRefs>
-</ds:datastoreItem>
-</file>
-
-<file path=customXml/itemProps2.xml><?xml version="1.0" encoding="utf-8"?>
 <ds:datastoreItem xmlns:ds="http://schemas.openxmlformats.org/officeDocument/2006/customXml" ds:itemID="{D0A8BC19-D11E-4A06-A61D-FE3CE6D8AA26}">
   <ds:schemaRefs>
     <ds:schemaRef ds:uri="http://schemas.microsoft.com/office/2006/metadata/contentType"/>
@@ -15566,6 +15959,14 @@
 </ds:datastoreItem>
 </file>
 
+<file path=customXml/itemProps2.xml><?xml version="1.0" encoding="utf-8"?>
+<ds:datastoreItem xmlns:ds="http://schemas.openxmlformats.org/officeDocument/2006/customXml" ds:itemID="{83EE6101-231E-4DF8-8297-9BA81BC961CE}">
+  <ds:schemaRefs>
+    <ds:schemaRef ds:uri="http://schemas.microsoft.com/sharepoint/v3/contenttype/forms"/>
+  </ds:schemaRefs>
+</ds:datastoreItem>
+</file>
+
 <file path=customXml/itemProps3.xml><?xml version="1.0" encoding="utf-8"?>
 <ds:datastoreItem xmlns:ds="http://schemas.openxmlformats.org/officeDocument/2006/customXml" ds:itemID="{EAAA6B91-6885-47ED-9CE0-0D3DDE3DC816}">
   <ds:schemaRefs>
